--- a/_SLIDES/DEEL1/H4/32_beslissingen deel 2_switch_enum.pptx
+++ b/_SLIDES/DEEL1/H4/32_beslissingen deel 2_switch_enum.pptx
@@ -5,7 +5,7 @@
     <p:sldMasterId id="2147483648" r:id="rId1"/>
   </p:sldMasterIdLst>
   <p:notesMasterIdLst>
-    <p:notesMasterId r:id="rId37"/>
+    <p:notesMasterId r:id="rId38"/>
   </p:notesMasterIdLst>
   <p:sldIdLst>
     <p:sldId id="317" r:id="rId2"/>
@@ -26,45 +26,53 @@
     <p:sldId id="262" r:id="rId17"/>
     <p:sldId id="260" r:id="rId18"/>
     <p:sldId id="261" r:id="rId19"/>
-    <p:sldId id="256" r:id="rId20"/>
-    <p:sldId id="327" r:id="rId21"/>
-    <p:sldId id="269" r:id="rId22"/>
-    <p:sldId id="328" r:id="rId23"/>
-    <p:sldId id="329" r:id="rId24"/>
-    <p:sldId id="330" r:id="rId25"/>
-    <p:sldId id="331" r:id="rId26"/>
-    <p:sldId id="332" r:id="rId27"/>
-    <p:sldId id="270" r:id="rId28"/>
-    <p:sldId id="271" r:id="rId29"/>
-    <p:sldId id="272" r:id="rId30"/>
-    <p:sldId id="264" r:id="rId31"/>
-    <p:sldId id="263" r:id="rId32"/>
-    <p:sldId id="265" r:id="rId33"/>
-    <p:sldId id="266" r:id="rId34"/>
-    <p:sldId id="267" r:id="rId35"/>
-    <p:sldId id="268" r:id="rId36"/>
+    <p:sldId id="333" r:id="rId20"/>
+    <p:sldId id="256" r:id="rId21"/>
+    <p:sldId id="327" r:id="rId22"/>
+    <p:sldId id="269" r:id="rId23"/>
+    <p:sldId id="328" r:id="rId24"/>
+    <p:sldId id="329" r:id="rId25"/>
+    <p:sldId id="330" r:id="rId26"/>
+    <p:sldId id="331" r:id="rId27"/>
+    <p:sldId id="332" r:id="rId28"/>
+    <p:sldId id="270" r:id="rId29"/>
+    <p:sldId id="271" r:id="rId30"/>
+    <p:sldId id="272" r:id="rId31"/>
+    <p:sldId id="264" r:id="rId32"/>
+    <p:sldId id="263" r:id="rId33"/>
+    <p:sldId id="265" r:id="rId34"/>
+    <p:sldId id="266" r:id="rId35"/>
+    <p:sldId id="267" r:id="rId36"/>
+    <p:sldId id="268" r:id="rId37"/>
   </p:sldIdLst>
   <p:sldSz cx="12192000" cy="6858000"/>
   <p:notesSz cx="6858000" cy="9144000"/>
   <p:embeddedFontLst>
     <p:embeddedFont>
       <p:font typeface="Calibri" panose="020F0502020204030204" pitchFamily="34" charset="0"/>
-      <p:regular r:id="rId38"/>
-      <p:bold r:id="rId39"/>
-      <p:italic r:id="rId40"/>
-      <p:boldItalic r:id="rId41"/>
+      <p:regular r:id="rId39"/>
+      <p:bold r:id="rId40"/>
+      <p:italic r:id="rId41"/>
+      <p:boldItalic r:id="rId42"/>
     </p:embeddedFont>
     <p:embeddedFont>
       <p:font typeface="Calibri Light" panose="020F0302020204030204" pitchFamily="34" charset="0"/>
-      <p:regular r:id="rId42"/>
-      <p:italic r:id="rId43"/>
+      <p:regular r:id="rId43"/>
+      <p:italic r:id="rId44"/>
+    </p:embeddedFont>
+    <p:embeddedFont>
+      <p:font typeface="Consolas" panose="020B0609020204030204" pitchFamily="49" charset="0"/>
+      <p:regular r:id="rId45"/>
+      <p:bold r:id="rId46"/>
+      <p:italic r:id="rId47"/>
+      <p:boldItalic r:id="rId48"/>
     </p:embeddedFont>
     <p:embeddedFont>
       <p:font typeface="Times" panose="02020603050405020304" pitchFamily="18" charset="0"/>
-      <p:regular r:id="rId44"/>
-      <p:bold r:id="rId45"/>
-      <p:italic r:id="rId46"/>
-      <p:boldItalic r:id="rId47"/>
+      <p:regular r:id="rId49"/>
+      <p:bold r:id="rId50"/>
+      <p:italic r:id="rId51"/>
+      <p:boldItalic r:id="rId52"/>
     </p:embeddedFont>
   </p:embeddedFontLst>
   <p:defaultTextStyle>
@@ -3090,7 +3098,7 @@
           <a:p>
             <a:fld id="{AAB1E9D1-C262-4CF5-AED2-7DBFF7C74527}" type="datetimeFigureOut">
               <a:rPr lang="nl-BE" smtClean="0"/>
-              <a:t>17/10/2019</a:t>
+              <a:t>21/10/2019</a:t>
             </a:fld>
             <a:endParaRPr lang="nl-BE"/>
           </a:p>
@@ -3507,7 +3515,7 @@
           <a:p>
             <a:fld id="{2661A00B-007A-4326-8859-8C83DD4C6E5D}" type="datetimeFigureOut">
               <a:rPr lang="nl-BE" smtClean="0"/>
-              <a:t>17/10/2019</a:t>
+              <a:t>21/10/2019</a:t>
             </a:fld>
             <a:endParaRPr lang="nl-BE"/>
           </a:p>
@@ -3707,7 +3715,7 @@
           <a:p>
             <a:fld id="{2661A00B-007A-4326-8859-8C83DD4C6E5D}" type="datetimeFigureOut">
               <a:rPr lang="nl-BE" smtClean="0"/>
-              <a:t>17/10/2019</a:t>
+              <a:t>21/10/2019</a:t>
             </a:fld>
             <a:endParaRPr lang="nl-BE"/>
           </a:p>
@@ -3917,7 +3925,7 @@
           <a:p>
             <a:fld id="{2661A00B-007A-4326-8859-8C83DD4C6E5D}" type="datetimeFigureOut">
               <a:rPr lang="nl-BE" smtClean="0"/>
-              <a:t>17/10/2019</a:t>
+              <a:t>21/10/2019</a:t>
             </a:fld>
             <a:endParaRPr lang="nl-BE"/>
           </a:p>
@@ -4117,7 +4125,7 @@
           <a:p>
             <a:fld id="{2661A00B-007A-4326-8859-8C83DD4C6E5D}" type="datetimeFigureOut">
               <a:rPr lang="nl-BE" smtClean="0"/>
-              <a:t>17/10/2019</a:t>
+              <a:t>21/10/2019</a:t>
             </a:fld>
             <a:endParaRPr lang="nl-BE"/>
           </a:p>
@@ -4393,7 +4401,7 @@
           <a:p>
             <a:fld id="{2661A00B-007A-4326-8859-8C83DD4C6E5D}" type="datetimeFigureOut">
               <a:rPr lang="nl-BE" smtClean="0"/>
-              <a:t>17/10/2019</a:t>
+              <a:t>21/10/2019</a:t>
             </a:fld>
             <a:endParaRPr lang="nl-BE"/>
           </a:p>
@@ -4661,7 +4669,7 @@
           <a:p>
             <a:fld id="{2661A00B-007A-4326-8859-8C83DD4C6E5D}" type="datetimeFigureOut">
               <a:rPr lang="nl-BE" smtClean="0"/>
-              <a:t>17/10/2019</a:t>
+              <a:t>21/10/2019</a:t>
             </a:fld>
             <a:endParaRPr lang="nl-BE"/>
           </a:p>
@@ -5076,7 +5084,7 @@
           <a:p>
             <a:fld id="{2661A00B-007A-4326-8859-8C83DD4C6E5D}" type="datetimeFigureOut">
               <a:rPr lang="nl-BE" smtClean="0"/>
-              <a:t>17/10/2019</a:t>
+              <a:t>21/10/2019</a:t>
             </a:fld>
             <a:endParaRPr lang="nl-BE"/>
           </a:p>
@@ -5218,7 +5226,7 @@
           <a:p>
             <a:fld id="{2661A00B-007A-4326-8859-8C83DD4C6E5D}" type="datetimeFigureOut">
               <a:rPr lang="nl-BE" smtClean="0"/>
-              <a:t>17/10/2019</a:t>
+              <a:t>21/10/2019</a:t>
             </a:fld>
             <a:endParaRPr lang="nl-BE"/>
           </a:p>
@@ -5331,7 +5339,7 @@
           <a:p>
             <a:fld id="{2661A00B-007A-4326-8859-8C83DD4C6E5D}" type="datetimeFigureOut">
               <a:rPr lang="nl-BE" smtClean="0"/>
-              <a:t>17/10/2019</a:t>
+              <a:t>21/10/2019</a:t>
             </a:fld>
             <a:endParaRPr lang="nl-BE"/>
           </a:p>
@@ -5644,7 +5652,7 @@
           <a:p>
             <a:fld id="{2661A00B-007A-4326-8859-8C83DD4C6E5D}" type="datetimeFigureOut">
               <a:rPr lang="nl-BE" smtClean="0"/>
-              <a:t>17/10/2019</a:t>
+              <a:t>21/10/2019</a:t>
             </a:fld>
             <a:endParaRPr lang="nl-BE"/>
           </a:p>
@@ -5933,7 +5941,7 @@
           <a:p>
             <a:fld id="{2661A00B-007A-4326-8859-8C83DD4C6E5D}" type="datetimeFigureOut">
               <a:rPr lang="nl-BE" smtClean="0"/>
-              <a:t>17/10/2019</a:t>
+              <a:t>21/10/2019</a:t>
             </a:fld>
             <a:endParaRPr lang="nl-BE"/>
           </a:p>
@@ -6176,7 +6184,7 @@
           <a:p>
             <a:fld id="{2661A00B-007A-4326-8859-8C83DD4C6E5D}" type="datetimeFigureOut">
               <a:rPr lang="nl-BE" smtClean="0"/>
-              <a:t>17/10/2019</a:t>
+              <a:t>21/10/2019</a:t>
             </a:fld>
             <a:endParaRPr lang="nl-BE"/>
           </a:p>
@@ -8979,7 +8987,7 @@
           <a:p>
             <a:pPr algn="ctr"/>
             <a:r>
-              <a:rPr lang="en-US" sz="4800" kern="1200">
+              <a:rPr lang="en-US" sz="4800" kern="1200" dirty="0">
                 <a:solidFill>
                   <a:srgbClr val="FFFFFF"/>
                 </a:solidFill>
@@ -8987,7 +8995,7 @@
                 <a:ea typeface="+mj-ea"/>
                 <a:cs typeface="+mj-cs"/>
               </a:rPr>
-              <a:t>Flowchart</a:t>
+              <a:t>Switch flowchart</a:t>
             </a:r>
           </a:p>
         </p:txBody>
@@ -9289,14 +9297,6 @@
 <file path=ppt/slides/slide19.xml><?xml version="1.0" encoding="utf-8"?>
 <p:sld xmlns:a="http://schemas.openxmlformats.org/drawingml/2006/main" xmlns:r="http://schemas.openxmlformats.org/officeDocument/2006/relationships" xmlns:p="http://schemas.openxmlformats.org/presentationml/2006/main">
   <p:cSld>
-    <p:bg>
-      <p:bgPr>
-        <a:solidFill>
-          <a:schemeClr val="bg1"/>
-        </a:solidFill>
-        <a:effectLst/>
-      </p:bgPr>
-    </p:bg>
     <p:spTree>
       <p:nvGrpSpPr>
         <p:cNvPr id="1" name=""/>
@@ -9313,166 +9313,13 @@
       </p:grpSpPr>
       <p:sp>
         <p:nvSpPr>
-          <p:cNvPr id="138" name="Rectangle 137">
+          <p:cNvPr id="2" name="Titel 1">
             <a:extLst>
               <a:ext uri="{FF2B5EF4-FFF2-40B4-BE49-F238E27FC236}">
-                <a16:creationId xmlns:a16="http://schemas.microsoft.com/office/drawing/2014/main" id="{23962611-DFD5-4092-AAFD-559E3DFCE2C9}"/>
-              </a:ext>
-              <a:ext uri="{C183D7F6-B498-43B3-948B-1728B52AA6E4}">
-                <adec:decorative xmlns:adec="http://schemas.microsoft.com/office/drawing/2017/decorative" val="1"/>
+                <a16:creationId xmlns:a16="http://schemas.microsoft.com/office/drawing/2014/main" id="{3BDB9EBD-5126-458D-8BF5-63011818D492}"/>
               </a:ext>
             </a:extLst>
           </p:cNvPr>
-          <p:cNvSpPr>
-            <a:spLocks noGrp="1" noRot="1" noChangeAspect="1" noMove="1" noResize="1" noEditPoints="1" noAdjustHandles="1" noChangeArrowheads="1" noChangeShapeType="1" noTextEdit="1"/>
-          </p:cNvSpPr>
-          <p:nvPr>
-            <p:extLst>
-              <p:ext uri="{386F3935-93C4-4BCD-93E2-E3B085C9AB24}">
-                <p16:designElem xmlns:p16="http://schemas.microsoft.com/office/powerpoint/2015/main" val="1"/>
-              </p:ext>
-            </p:extLst>
-          </p:nvPr>
-        </p:nvSpPr>
-        <p:spPr>
-          <a:xfrm>
-            <a:off x="475488" y="0"/>
-            <a:ext cx="10910292" cy="6858000"/>
-          </a:xfrm>
-          <a:prstGeom prst="rect">
-            <a:avLst/>
-          </a:prstGeom>
-          <a:gradFill>
-            <a:gsLst>
-              <a:gs pos="0">
-                <a:schemeClr val="accent1">
-                  <a:lumMod val="90000"/>
-                </a:schemeClr>
-              </a:gs>
-              <a:gs pos="25000">
-                <a:schemeClr val="accent1">
-                  <a:lumMod val="90000"/>
-                </a:schemeClr>
-              </a:gs>
-              <a:gs pos="94000">
-                <a:schemeClr val="bg2">
-                  <a:lumMod val="25000"/>
-                </a:schemeClr>
-              </a:gs>
-              <a:gs pos="100000">
-                <a:schemeClr val="bg2">
-                  <a:lumMod val="25000"/>
-                </a:schemeClr>
-              </a:gs>
-            </a:gsLst>
-            <a:lin ang="4200000" scaled="0"/>
-          </a:gradFill>
-          <a:ln>
-            <a:noFill/>
-          </a:ln>
-        </p:spPr>
-        <p:style>
-          <a:lnRef idx="2">
-            <a:schemeClr val="accent1">
-              <a:shade val="50000"/>
-            </a:schemeClr>
-          </a:lnRef>
-          <a:fillRef idx="1">
-            <a:schemeClr val="accent1"/>
-          </a:fillRef>
-          <a:effectRef idx="0">
-            <a:schemeClr val="accent1"/>
-          </a:effectRef>
-          <a:fontRef idx="minor">
-            <a:schemeClr val="lt1"/>
-          </a:fontRef>
-        </p:style>
-        <p:txBody>
-          <a:bodyPr rtlCol="0" anchor="ctr"/>
-          <a:lstStyle/>
-          <a:p>
-            <a:pPr marL="0" marR="0" lvl="0" indent="0" algn="ctr" defTabSz="914400" rtl="0" eaLnBrk="1" fontAlgn="auto" latinLnBrk="0" hangingPunct="1">
-              <a:lnSpc>
-                <a:spcPct val="100000"/>
-              </a:lnSpc>
-              <a:spcBef>
-                <a:spcPts val="0"/>
-              </a:spcBef>
-              <a:spcAft>
-                <a:spcPts val="0"/>
-              </a:spcAft>
-              <a:buClrTx/>
-              <a:buSzTx/>
-              <a:buFontTx/>
-              <a:buNone/>
-              <a:tabLst/>
-              <a:defRPr/>
-            </a:pPr>
-            <a:endParaRPr kumimoji="0" lang="en-US" sz="1800" b="0" i="0" u="none" strike="noStrike" kern="1200" cap="none" spc="0" normalizeH="0" baseline="0" noProof="0">
-              <a:ln>
-                <a:noFill/>
-              </a:ln>
-              <a:solidFill>
-                <a:prstClr val="white"/>
-              </a:solidFill>
-              <a:effectLst/>
-              <a:uLnTx/>
-              <a:uFillTx/>
-              <a:latin typeface="Calibri" panose="020F0502020204030204"/>
-              <a:ea typeface="+mn-ea"/>
-              <a:cs typeface="+mn-cs"/>
-            </a:endParaRPr>
-          </a:p>
-        </p:txBody>
-      </p:sp>
-      <p:pic>
-        <p:nvPicPr>
-          <p:cNvPr id="140" name="Picture 139">
-            <a:extLst>
-              <a:ext uri="{FF2B5EF4-FFF2-40B4-BE49-F238E27FC236}">
-                <a16:creationId xmlns:a16="http://schemas.microsoft.com/office/drawing/2014/main" id="{2270F1FA-0425-408F-9861-80BF5AFB276D}"/>
-              </a:ext>
-              <a:ext uri="{C183D7F6-B498-43B3-948B-1728B52AA6E4}">
-                <adec:decorative xmlns:adec="http://schemas.microsoft.com/office/drawing/2017/decorative" val="1"/>
-              </a:ext>
-            </a:extLst>
-          </p:cNvPr>
-          <p:cNvPicPr>
-            <a:picLocks noGrp="1" noRot="1" noChangeAspect="1" noMove="1" noResize="1" noEditPoints="1" noAdjustHandles="1" noChangeArrowheads="1" noChangeShapeType="1" noCrop="1"/>
-          </p:cNvPicPr>
-          <p:nvPr>
-            <p:extLst>
-              <p:ext uri="{386F3935-93C4-4BCD-93E2-E3B085C9AB24}">
-                <p16:designElem xmlns:p16="http://schemas.microsoft.com/office/powerpoint/2015/main" val="1"/>
-              </p:ext>
-            </p:extLst>
-          </p:nvPr>
-        </p:nvPicPr>
-        <p:blipFill>
-          <a:blip r:embed="rId2">
-            <a:extLst>
-              <a:ext uri="{28A0092B-C50C-407E-A947-70E740481C1C}">
-                <a14:useLocalDpi xmlns:a14="http://schemas.microsoft.com/office/drawing/2010/main" val="0"/>
-              </a:ext>
-            </a:extLst>
-          </a:blip>
-          <a:stretch>
-            <a:fillRect/>
-          </a:stretch>
-        </p:blipFill>
-        <p:spPr>
-          <a:xfrm>
-            <a:off x="0" y="0"/>
-            <a:ext cx="12192000" cy="6858000"/>
-          </a:xfrm>
-          <a:prstGeom prst="rect">
-            <a:avLst/>
-          </a:prstGeom>
-        </p:spPr>
-      </p:pic>
-      <p:sp>
-        <p:nvSpPr>
-          <p:cNvPr id="2" name="Titel 1"/>
           <p:cNvSpPr>
             <a:spLocks noGrp="1"/>
           </p:cNvSpPr>
@@ -9480,174 +9327,624 @@
             <p:ph type="title"/>
           </p:nvPr>
         </p:nvSpPr>
-        <p:spPr>
-          <a:xfrm>
-            <a:off x="3045368" y="2043663"/>
-            <a:ext cx="6105194" cy="2031055"/>
-          </a:xfrm>
-        </p:spPr>
+        <p:spPr/>
         <p:txBody>
-          <a:bodyPr vert="horz" lIns="91440" tIns="45720" rIns="91440" bIns="45720" rtlCol="0" anchor="b">
-            <a:normAutofit/>
-          </a:bodyPr>
+          <a:bodyPr/>
           <a:lstStyle/>
           <a:p>
-            <a:pPr algn="ctr">
-              <a:defRPr/>
-            </a:pPr>
-            <a:r>
-              <a:rPr lang="en-US" kern="1200" dirty="0" err="1">
-                <a:solidFill>
-                  <a:srgbClr val="FFFFFF"/>
-                </a:solidFill>
-                <a:latin typeface="+mj-lt"/>
-                <a:ea typeface="+mj-ea"/>
-                <a:cs typeface="+mj-cs"/>
-              </a:rPr>
-              <a:t>enum</a:t>
-            </a:r>
-            <a:endParaRPr lang="en-US" kern="1200" dirty="0">
-              <a:solidFill>
-                <a:srgbClr val="FFFFFF"/>
-              </a:solidFill>
-              <a:latin typeface="+mj-lt"/>
-              <a:ea typeface="+mj-ea"/>
-              <a:cs typeface="+mj-cs"/>
-            </a:endParaRPr>
+            <a:r>
+              <a:rPr lang="nl-BE" dirty="0" err="1"/>
+              <a:t>Fallthrough</a:t>
+            </a:r>
+            <a:r>
+              <a:rPr lang="nl-BE" dirty="0"/>
+              <a:t> ook mogelijk</a:t>
+            </a:r>
           </a:p>
         </p:txBody>
       </p:sp>
       <p:sp>
         <p:nvSpPr>
-          <p:cNvPr id="29699" name="Tijdelijke aanduiding voor tekst 2"/>
-          <p:cNvSpPr>
-            <a:spLocks noGrp="1"/>
-          </p:cNvSpPr>
-          <p:nvPr>
-            <p:ph type="body" idx="1"/>
-          </p:nvPr>
+          <p:cNvPr id="5" name="Rechthoek 4">
+            <a:extLst>
+              <a:ext uri="{FF2B5EF4-FFF2-40B4-BE49-F238E27FC236}">
+                <a16:creationId xmlns:a16="http://schemas.microsoft.com/office/drawing/2014/main" id="{B801AEAE-FA00-42FE-8A6F-F61FD4BEC998}"/>
+              </a:ext>
+            </a:extLst>
+          </p:cNvPr>
+          <p:cNvSpPr/>
+          <p:nvPr/>
         </p:nvSpPr>
         <p:spPr>
           <a:xfrm>
-            <a:off x="3045368" y="4074718"/>
-            <a:ext cx="6105194" cy="682079"/>
-          </a:xfrm>
-        </p:spPr>
-        <p:txBody>
-          <a:bodyPr vert="horz" lIns="91440" tIns="45720" rIns="91440" bIns="45720" rtlCol="0">
-            <a:normAutofit/>
-          </a:bodyPr>
-          <a:lstStyle/>
-          <a:p>
-            <a:pPr algn="ctr"/>
-            <a:endParaRPr lang="en-US" kern="1200" dirty="0">
-              <a:solidFill>
-                <a:srgbClr val="FFFFFF"/>
-              </a:solidFill>
-              <a:latin typeface="+mn-lt"/>
-              <a:ea typeface="+mn-ea"/>
-              <a:cs typeface="+mn-cs"/>
-            </a:endParaRPr>
-          </a:p>
-        </p:txBody>
-      </p:sp>
-      <p:sp>
-        <p:nvSpPr>
-          <p:cNvPr id="18436" name="Tijdelijke aanduiding voor dianummer 3"/>
-          <p:cNvSpPr>
-            <a:spLocks noGrp="1"/>
-          </p:cNvSpPr>
-          <p:nvPr>
-            <p:ph type="sldNum" sz="quarter" idx="4294967295"/>
-          </p:nvPr>
-        </p:nvSpPr>
-        <p:spPr>
-          <a:xfrm>
-            <a:off x="10825930" y="6223702"/>
-            <a:ext cx="570728" cy="314067"/>
+            <a:off x="941778" y="1690688"/>
+            <a:ext cx="10573092" cy="4524315"/>
           </a:xfrm>
           <a:prstGeom prst="rect">
             <a:avLst/>
           </a:prstGeom>
         </p:spPr>
         <p:txBody>
-          <a:bodyPr vert="horz" lIns="91440" tIns="45720" rIns="91440" bIns="45720" rtlCol="0" anchor="ctr">
-            <a:normAutofit/>
+          <a:bodyPr wrap="square">
+            <a:spAutoFit/>
           </a:bodyPr>
           <a:lstStyle/>
           <a:p>
-            <a:pPr marL="0" marR="0" lvl="0" indent="0" algn="r" defTabSz="914400" rtl="0" eaLnBrk="1" fontAlgn="auto" latinLnBrk="0" hangingPunct="1">
-              <a:lnSpc>
-                <a:spcPct val="100000"/>
-              </a:lnSpc>
-              <a:spcBef>
-                <a:spcPts val="0"/>
-              </a:spcBef>
-              <a:spcAft>
-                <a:spcPts val="600"/>
-              </a:spcAft>
-              <a:buClrTx/>
-              <a:buSzTx/>
-              <a:buFontTx/>
-              <a:buNone/>
-              <a:tabLst/>
-              <a:defRPr/>
-            </a:pPr>
-            <a:fld id="{2E0EF113-4B75-4716-9AAC-E833636944CE}" type="slidenum">
-              <a:rPr kumimoji="0" lang="en-US" sz="1000" b="0" i="0" u="none" strike="noStrike" kern="1200" cap="none" spc="0" normalizeH="0" baseline="0" noProof="0">
-                <a:ln>
-                  <a:noFill/>
-                </a:ln>
+            <a:r>
+              <a:rPr lang="nl-BE" dirty="0">
                 <a:solidFill>
-                  <a:srgbClr val="898989"/>
+                  <a:srgbClr val="000000"/>
                 </a:solidFill>
-                <a:effectLst/>
-                <a:uLnTx/>
-                <a:uFillTx/>
-                <a:latin typeface="Calibri" panose="020F0502020204030204"/>
-                <a:ea typeface="+mn-ea"/>
-                <a:cs typeface="+mn-cs"/>
+                <a:latin typeface="Consolas" panose="020B0609020204030204" pitchFamily="49" charset="0"/>
               </a:rPr>
-              <a:pPr marL="0" marR="0" lvl="0" indent="0" algn="r" defTabSz="914400" rtl="0" eaLnBrk="1" fontAlgn="auto" latinLnBrk="0" hangingPunct="1">
-                <a:lnSpc>
-                  <a:spcPct val="100000"/>
-                </a:lnSpc>
-                <a:spcBef>
-                  <a:spcPts val="0"/>
-                </a:spcBef>
-                <a:spcAft>
-                  <a:spcPts val="600"/>
-                </a:spcAft>
-                <a:buClrTx/>
-                <a:buSzTx/>
-                <a:buFontTx/>
-                <a:buNone/>
-                <a:tabLst/>
-                <a:defRPr/>
-              </a:pPr>
-              <a:t>19</a:t>
-            </a:fld>
-            <a:endParaRPr kumimoji="0" lang="en-US" sz="1000" b="0" i="0" u="none" strike="noStrike" kern="1200" cap="none" spc="0" normalizeH="0" baseline="0" noProof="0">
-              <a:ln>
-                <a:noFill/>
-              </a:ln>
+              <a:t> 		  Random </a:t>
+            </a:r>
+            <a:r>
+              <a:rPr lang="nl-BE" dirty="0" err="1">
+                <a:solidFill>
+                  <a:srgbClr val="000000"/>
+                </a:solidFill>
+                <a:latin typeface="Consolas" panose="020B0609020204030204" pitchFamily="49" charset="0"/>
+              </a:rPr>
+              <a:t>rnd</a:t>
+            </a:r>
+            <a:r>
+              <a:rPr lang="nl-BE" dirty="0">
+                <a:solidFill>
+                  <a:srgbClr val="000000"/>
+                </a:solidFill>
+                <a:latin typeface="Consolas" panose="020B0609020204030204" pitchFamily="49" charset="0"/>
+              </a:rPr>
+              <a:t> = </a:t>
+            </a:r>
+            <a:r>
+              <a:rPr lang="nl-BE" dirty="0">
+                <a:solidFill>
+                  <a:srgbClr val="0000FF"/>
+                </a:solidFill>
+                <a:latin typeface="Consolas" panose="020B0609020204030204" pitchFamily="49" charset="0"/>
+              </a:rPr>
+              <a:t>new</a:t>
+            </a:r>
+            <a:r>
+              <a:rPr lang="nl-BE" dirty="0">
+                <a:solidFill>
+                  <a:srgbClr val="000000"/>
+                </a:solidFill>
+                <a:latin typeface="Consolas" panose="020B0609020204030204" pitchFamily="49" charset="0"/>
+              </a:rPr>
+              <a:t> Random();</a:t>
+            </a:r>
+          </a:p>
+          <a:p>
+            <a:r>
+              <a:rPr lang="en-US" dirty="0">
+                <a:solidFill>
+                  <a:srgbClr val="000000"/>
+                </a:solidFill>
+                <a:latin typeface="Consolas" panose="020B0609020204030204" pitchFamily="49" charset="0"/>
+              </a:rPr>
+              <a:t>                </a:t>
+            </a:r>
+            <a:r>
+              <a:rPr lang="en-US" dirty="0">
+                <a:solidFill>
+                  <a:srgbClr val="0000FF"/>
+                </a:solidFill>
+                <a:latin typeface="Consolas" panose="020B0609020204030204" pitchFamily="49" charset="0"/>
+              </a:rPr>
+              <a:t>int</a:t>
+            </a:r>
+            <a:r>
+              <a:rPr lang="en-US" dirty="0">
+                <a:solidFill>
+                  <a:srgbClr val="000000"/>
+                </a:solidFill>
+                <a:latin typeface="Consolas" panose="020B0609020204030204" pitchFamily="49" charset="0"/>
+              </a:rPr>
+              <a:t> </a:t>
+            </a:r>
+            <a:r>
+              <a:rPr lang="en-US" dirty="0" err="1">
+                <a:solidFill>
+                  <a:srgbClr val="000000"/>
+                </a:solidFill>
+                <a:latin typeface="Consolas" panose="020B0609020204030204" pitchFamily="49" charset="0"/>
+              </a:rPr>
+              <a:t>caseSwitch</a:t>
+            </a:r>
+            <a:r>
+              <a:rPr lang="en-US" dirty="0">
+                <a:solidFill>
+                  <a:srgbClr val="000000"/>
+                </a:solidFill>
+                <a:latin typeface="Consolas" panose="020B0609020204030204" pitchFamily="49" charset="0"/>
+              </a:rPr>
+              <a:t> = </a:t>
+            </a:r>
+            <a:r>
+              <a:rPr lang="en-US" dirty="0" err="1">
+                <a:solidFill>
+                  <a:srgbClr val="000000"/>
+                </a:solidFill>
+                <a:latin typeface="Consolas" panose="020B0609020204030204" pitchFamily="49" charset="0"/>
+              </a:rPr>
+              <a:t>rnd.Next</a:t>
+            </a:r>
+            <a:r>
+              <a:rPr lang="en-US" dirty="0">
+                <a:solidFill>
+                  <a:srgbClr val="000000"/>
+                </a:solidFill>
+                <a:latin typeface="Consolas" panose="020B0609020204030204" pitchFamily="49" charset="0"/>
+              </a:rPr>
+              <a:t>(1, 4);</a:t>
+            </a:r>
+          </a:p>
+          <a:p>
+            <a:endParaRPr lang="nl-BE" dirty="0">
               <a:solidFill>
-                <a:srgbClr val="898989"/>
+                <a:srgbClr val="000000"/>
               </a:solidFill>
-              <a:effectLst/>
-              <a:uLnTx/>
-              <a:uFillTx/>
-              <a:latin typeface="Calibri" panose="020F0502020204030204"/>
-              <a:ea typeface="+mn-ea"/>
-              <a:cs typeface="+mn-cs"/>
+              <a:latin typeface="Consolas" panose="020B0609020204030204" pitchFamily="49" charset="0"/>
             </a:endParaRPr>
+          </a:p>
+          <a:p>
+            <a:r>
+              <a:rPr lang="nl-BE" dirty="0">
+                <a:solidFill>
+                  <a:srgbClr val="000000"/>
+                </a:solidFill>
+                <a:latin typeface="Consolas" panose="020B0609020204030204" pitchFamily="49" charset="0"/>
+              </a:rPr>
+              <a:t>                </a:t>
+            </a:r>
+            <a:r>
+              <a:rPr lang="nl-BE" dirty="0">
+                <a:solidFill>
+                  <a:srgbClr val="0000FF"/>
+                </a:solidFill>
+                <a:latin typeface="Consolas" panose="020B0609020204030204" pitchFamily="49" charset="0"/>
+              </a:rPr>
+              <a:t>switch</a:t>
+            </a:r>
+            <a:r>
+              <a:rPr lang="nl-BE" dirty="0">
+                <a:solidFill>
+                  <a:srgbClr val="000000"/>
+                </a:solidFill>
+                <a:latin typeface="Consolas" panose="020B0609020204030204" pitchFamily="49" charset="0"/>
+              </a:rPr>
+              <a:t> (</a:t>
+            </a:r>
+            <a:r>
+              <a:rPr lang="nl-BE" dirty="0" err="1">
+                <a:solidFill>
+                  <a:srgbClr val="000000"/>
+                </a:solidFill>
+                <a:latin typeface="Consolas" panose="020B0609020204030204" pitchFamily="49" charset="0"/>
+              </a:rPr>
+              <a:t>caseSwitch</a:t>
+            </a:r>
+            <a:r>
+              <a:rPr lang="nl-BE" dirty="0">
+                <a:solidFill>
+                  <a:srgbClr val="000000"/>
+                </a:solidFill>
+                <a:latin typeface="Consolas" panose="020B0609020204030204" pitchFamily="49" charset="0"/>
+              </a:rPr>
+              <a:t>)</a:t>
+            </a:r>
+          </a:p>
+          <a:p>
+            <a:r>
+              <a:rPr lang="nl-BE" dirty="0">
+                <a:solidFill>
+                  <a:srgbClr val="000000"/>
+                </a:solidFill>
+                <a:latin typeface="Consolas" panose="020B0609020204030204" pitchFamily="49" charset="0"/>
+              </a:rPr>
+              <a:t>                {</a:t>
+            </a:r>
+          </a:p>
+          <a:p>
+            <a:r>
+              <a:rPr lang="nl-BE" dirty="0">
+                <a:solidFill>
+                  <a:srgbClr val="000000"/>
+                </a:solidFill>
+                <a:latin typeface="Consolas" panose="020B0609020204030204" pitchFamily="49" charset="0"/>
+              </a:rPr>
+              <a:t>                    </a:t>
+            </a:r>
+            <a:r>
+              <a:rPr lang="nl-BE" dirty="0">
+                <a:solidFill>
+                  <a:srgbClr val="0000FF"/>
+                </a:solidFill>
+                <a:latin typeface="Consolas" panose="020B0609020204030204" pitchFamily="49" charset="0"/>
+              </a:rPr>
+              <a:t>case</a:t>
+            </a:r>
+            <a:r>
+              <a:rPr lang="nl-BE" dirty="0">
+                <a:solidFill>
+                  <a:srgbClr val="000000"/>
+                </a:solidFill>
+                <a:latin typeface="Consolas" panose="020B0609020204030204" pitchFamily="49" charset="0"/>
+              </a:rPr>
+              <a:t> 1:</a:t>
+            </a:r>
+          </a:p>
+          <a:p>
+            <a:r>
+              <a:rPr lang="nl-BE" dirty="0">
+                <a:solidFill>
+                  <a:srgbClr val="000000"/>
+                </a:solidFill>
+                <a:latin typeface="Consolas" panose="020B0609020204030204" pitchFamily="49" charset="0"/>
+              </a:rPr>
+              <a:t>                        </a:t>
+            </a:r>
+            <a:r>
+              <a:rPr lang="nl-BE" dirty="0" err="1">
+                <a:solidFill>
+                  <a:srgbClr val="000000"/>
+                </a:solidFill>
+                <a:latin typeface="Consolas" panose="020B0609020204030204" pitchFamily="49" charset="0"/>
+              </a:rPr>
+              <a:t>Console.WriteLine</a:t>
+            </a:r>
+            <a:r>
+              <a:rPr lang="nl-BE" dirty="0">
+                <a:solidFill>
+                  <a:srgbClr val="000000"/>
+                </a:solidFill>
+                <a:latin typeface="Consolas" panose="020B0609020204030204" pitchFamily="49" charset="0"/>
+              </a:rPr>
+              <a:t>(</a:t>
+            </a:r>
+            <a:r>
+              <a:rPr lang="nl-BE" dirty="0">
+                <a:solidFill>
+                  <a:srgbClr val="A31515"/>
+                </a:solidFill>
+                <a:latin typeface="Consolas" panose="020B0609020204030204" pitchFamily="49" charset="0"/>
+              </a:rPr>
+              <a:t>"Gewonnen"</a:t>
+            </a:r>
+            <a:r>
+              <a:rPr lang="nl-BE" dirty="0">
+                <a:solidFill>
+                  <a:srgbClr val="000000"/>
+                </a:solidFill>
+                <a:latin typeface="Consolas" panose="020B0609020204030204" pitchFamily="49" charset="0"/>
+              </a:rPr>
+              <a:t>);</a:t>
+            </a:r>
+          </a:p>
+          <a:p>
+            <a:r>
+              <a:rPr lang="nl-BE" dirty="0">
+                <a:solidFill>
+                  <a:srgbClr val="000000"/>
+                </a:solidFill>
+                <a:latin typeface="Consolas" panose="020B0609020204030204" pitchFamily="49" charset="0"/>
+              </a:rPr>
+              <a:t>                        </a:t>
+            </a:r>
+            <a:r>
+              <a:rPr lang="nl-BE" dirty="0">
+                <a:solidFill>
+                  <a:srgbClr val="0000FF"/>
+                </a:solidFill>
+                <a:latin typeface="Consolas" panose="020B0609020204030204" pitchFamily="49" charset="0"/>
+              </a:rPr>
+              <a:t>break</a:t>
+            </a:r>
+            <a:r>
+              <a:rPr lang="nl-BE" dirty="0">
+                <a:solidFill>
+                  <a:srgbClr val="000000"/>
+                </a:solidFill>
+                <a:latin typeface="Consolas" panose="020B0609020204030204" pitchFamily="49" charset="0"/>
+              </a:rPr>
+              <a:t>;</a:t>
+            </a:r>
+          </a:p>
+          <a:p>
+            <a:r>
+              <a:rPr lang="nl-BE" dirty="0">
+                <a:solidFill>
+                  <a:srgbClr val="000000"/>
+                </a:solidFill>
+                <a:latin typeface="Consolas" panose="020B0609020204030204" pitchFamily="49" charset="0"/>
+              </a:rPr>
+              <a:t>                    </a:t>
+            </a:r>
+            <a:r>
+              <a:rPr lang="nl-BE" dirty="0">
+                <a:solidFill>
+                  <a:srgbClr val="0000FF"/>
+                </a:solidFill>
+                <a:latin typeface="Consolas" panose="020B0609020204030204" pitchFamily="49" charset="0"/>
+              </a:rPr>
+              <a:t>case</a:t>
+            </a:r>
+            <a:r>
+              <a:rPr lang="nl-BE" dirty="0">
+                <a:solidFill>
+                  <a:srgbClr val="000000"/>
+                </a:solidFill>
+                <a:latin typeface="Consolas" panose="020B0609020204030204" pitchFamily="49" charset="0"/>
+              </a:rPr>
+              <a:t> 2:</a:t>
+            </a:r>
+          </a:p>
+          <a:p>
+            <a:r>
+              <a:rPr lang="nl-BE" dirty="0">
+                <a:solidFill>
+                  <a:srgbClr val="000000"/>
+                </a:solidFill>
+                <a:latin typeface="Consolas" panose="020B0609020204030204" pitchFamily="49" charset="0"/>
+              </a:rPr>
+              <a:t>                    </a:t>
+            </a:r>
+            <a:r>
+              <a:rPr lang="nl-BE" dirty="0">
+                <a:solidFill>
+                  <a:srgbClr val="0000FF"/>
+                </a:solidFill>
+                <a:latin typeface="Consolas" panose="020B0609020204030204" pitchFamily="49" charset="0"/>
+              </a:rPr>
+              <a:t>case</a:t>
+            </a:r>
+            <a:r>
+              <a:rPr lang="nl-BE" dirty="0">
+                <a:solidFill>
+                  <a:srgbClr val="000000"/>
+                </a:solidFill>
+                <a:latin typeface="Consolas" panose="020B0609020204030204" pitchFamily="49" charset="0"/>
+              </a:rPr>
+              <a:t> 3:</a:t>
+            </a:r>
+          </a:p>
+          <a:p>
+            <a:r>
+              <a:rPr lang="nl-BE" dirty="0">
+                <a:solidFill>
+                  <a:srgbClr val="000000"/>
+                </a:solidFill>
+                <a:latin typeface="Consolas" panose="020B0609020204030204" pitchFamily="49" charset="0"/>
+              </a:rPr>
+              <a:t>                        </a:t>
+            </a:r>
+            <a:r>
+              <a:rPr lang="nl-BE" dirty="0" err="1">
+                <a:solidFill>
+                  <a:srgbClr val="000000"/>
+                </a:solidFill>
+                <a:latin typeface="Consolas" panose="020B0609020204030204" pitchFamily="49" charset="0"/>
+              </a:rPr>
+              <a:t>Console.WriteLine</a:t>
+            </a:r>
+            <a:r>
+              <a:rPr lang="nl-BE" dirty="0">
+                <a:solidFill>
+                  <a:srgbClr val="000000"/>
+                </a:solidFill>
+                <a:latin typeface="Consolas" panose="020B0609020204030204" pitchFamily="49" charset="0"/>
+              </a:rPr>
+              <a:t>(</a:t>
+            </a:r>
+            <a:r>
+              <a:rPr lang="nl-BE" dirty="0">
+                <a:solidFill>
+                  <a:srgbClr val="A31515"/>
+                </a:solidFill>
+                <a:latin typeface="Consolas" panose="020B0609020204030204" pitchFamily="49" charset="0"/>
+              </a:rPr>
+              <a:t>$"Niet gewonnen"</a:t>
+            </a:r>
+            <a:r>
+              <a:rPr lang="nl-BE" dirty="0">
+                <a:solidFill>
+                  <a:srgbClr val="000000"/>
+                </a:solidFill>
+                <a:latin typeface="Consolas" panose="020B0609020204030204" pitchFamily="49" charset="0"/>
+              </a:rPr>
+              <a:t>);</a:t>
+            </a:r>
+          </a:p>
+          <a:p>
+            <a:r>
+              <a:rPr lang="nl-BE" dirty="0">
+                <a:solidFill>
+                  <a:srgbClr val="000000"/>
+                </a:solidFill>
+                <a:latin typeface="Consolas" panose="020B0609020204030204" pitchFamily="49" charset="0"/>
+              </a:rPr>
+              <a:t>                        </a:t>
+            </a:r>
+            <a:r>
+              <a:rPr lang="nl-BE" dirty="0">
+                <a:solidFill>
+                  <a:srgbClr val="0000FF"/>
+                </a:solidFill>
+                <a:latin typeface="Consolas" panose="020B0609020204030204" pitchFamily="49" charset="0"/>
+              </a:rPr>
+              <a:t>break</a:t>
+            </a:r>
+            <a:r>
+              <a:rPr lang="nl-BE" dirty="0">
+                <a:solidFill>
+                  <a:srgbClr val="000000"/>
+                </a:solidFill>
+                <a:latin typeface="Consolas" panose="020B0609020204030204" pitchFamily="49" charset="0"/>
+              </a:rPr>
+              <a:t>;</a:t>
+            </a:r>
+          </a:p>
+          <a:p>
+            <a:r>
+              <a:rPr lang="nl-BE" dirty="0">
+                <a:solidFill>
+                  <a:srgbClr val="000000"/>
+                </a:solidFill>
+                <a:latin typeface="Consolas" panose="020B0609020204030204" pitchFamily="49" charset="0"/>
+              </a:rPr>
+              <a:t>                    </a:t>
+            </a:r>
+            <a:r>
+              <a:rPr lang="nl-BE" dirty="0">
+                <a:solidFill>
+                  <a:srgbClr val="0000FF"/>
+                </a:solidFill>
+                <a:latin typeface="Consolas" panose="020B0609020204030204" pitchFamily="49" charset="0"/>
+              </a:rPr>
+              <a:t>default</a:t>
+            </a:r>
+            <a:r>
+              <a:rPr lang="nl-BE" dirty="0">
+                <a:solidFill>
+                  <a:srgbClr val="000000"/>
+                </a:solidFill>
+                <a:latin typeface="Consolas" panose="020B0609020204030204" pitchFamily="49" charset="0"/>
+              </a:rPr>
+              <a:t>:</a:t>
+            </a:r>
+          </a:p>
+          <a:p>
+            <a:r>
+              <a:rPr lang="en-US" dirty="0">
+                <a:solidFill>
+                  <a:srgbClr val="000000"/>
+                </a:solidFill>
+                <a:latin typeface="Consolas" panose="020B0609020204030204" pitchFamily="49" charset="0"/>
+              </a:rPr>
+              <a:t>                        </a:t>
+            </a:r>
+            <a:r>
+              <a:rPr lang="en-US" dirty="0" err="1">
+                <a:solidFill>
+                  <a:srgbClr val="000000"/>
+                </a:solidFill>
+                <a:latin typeface="Consolas" panose="020B0609020204030204" pitchFamily="49" charset="0"/>
+              </a:rPr>
+              <a:t>Console.WriteLine</a:t>
+            </a:r>
+            <a:r>
+              <a:rPr lang="en-US" dirty="0">
+                <a:solidFill>
+                  <a:srgbClr val="000000"/>
+                </a:solidFill>
+                <a:latin typeface="Consolas" panose="020B0609020204030204" pitchFamily="49" charset="0"/>
+              </a:rPr>
+              <a:t>(</a:t>
+            </a:r>
+            <a:r>
+              <a:rPr lang="en-US" dirty="0">
+                <a:solidFill>
+                  <a:srgbClr val="A31515"/>
+                </a:solidFill>
+                <a:latin typeface="Consolas" panose="020B0609020204030204" pitchFamily="49" charset="0"/>
+              </a:rPr>
+              <a:t>$"An unexpected value (</a:t>
+            </a:r>
+            <a:r>
+              <a:rPr lang="en-US" dirty="0">
+                <a:solidFill>
+                  <a:srgbClr val="000000"/>
+                </a:solidFill>
+                <a:latin typeface="Consolas" panose="020B0609020204030204" pitchFamily="49" charset="0"/>
+              </a:rPr>
+              <a:t>{</a:t>
+            </a:r>
+            <a:r>
+              <a:rPr lang="en-US" dirty="0" err="1">
+                <a:solidFill>
+                  <a:srgbClr val="000000"/>
+                </a:solidFill>
+                <a:latin typeface="Consolas" panose="020B0609020204030204" pitchFamily="49" charset="0"/>
+              </a:rPr>
+              <a:t>caseSwitch</a:t>
+            </a:r>
+            <a:r>
+              <a:rPr lang="en-US" dirty="0">
+                <a:solidFill>
+                  <a:srgbClr val="000000"/>
+                </a:solidFill>
+                <a:latin typeface="Consolas" panose="020B0609020204030204" pitchFamily="49" charset="0"/>
+              </a:rPr>
+              <a:t>}</a:t>
+            </a:r>
+            <a:r>
+              <a:rPr lang="en-US" dirty="0">
+                <a:solidFill>
+                  <a:srgbClr val="A31515"/>
+                </a:solidFill>
+                <a:latin typeface="Consolas" panose="020B0609020204030204" pitchFamily="49" charset="0"/>
+              </a:rPr>
+              <a:t>)"</a:t>
+            </a:r>
+            <a:r>
+              <a:rPr lang="en-US" dirty="0">
+                <a:solidFill>
+                  <a:srgbClr val="000000"/>
+                </a:solidFill>
+                <a:latin typeface="Consolas" panose="020B0609020204030204" pitchFamily="49" charset="0"/>
+              </a:rPr>
+              <a:t>);</a:t>
+            </a:r>
+          </a:p>
+          <a:p>
+            <a:r>
+              <a:rPr lang="nl-BE" dirty="0">
+                <a:solidFill>
+                  <a:srgbClr val="000000"/>
+                </a:solidFill>
+                <a:latin typeface="Consolas" panose="020B0609020204030204" pitchFamily="49" charset="0"/>
+              </a:rPr>
+              <a:t>                        </a:t>
+            </a:r>
+            <a:r>
+              <a:rPr lang="nl-BE" dirty="0">
+                <a:solidFill>
+                  <a:srgbClr val="0000FF"/>
+                </a:solidFill>
+                <a:latin typeface="Consolas" panose="020B0609020204030204" pitchFamily="49" charset="0"/>
+              </a:rPr>
+              <a:t>break</a:t>
+            </a:r>
+            <a:r>
+              <a:rPr lang="nl-BE" dirty="0">
+                <a:solidFill>
+                  <a:srgbClr val="000000"/>
+                </a:solidFill>
+                <a:latin typeface="Consolas" panose="020B0609020204030204" pitchFamily="49" charset="0"/>
+              </a:rPr>
+              <a:t>;</a:t>
+            </a:r>
+          </a:p>
+          <a:p>
+            <a:r>
+              <a:rPr lang="nl-BE" dirty="0">
+                <a:solidFill>
+                  <a:srgbClr val="000000"/>
+                </a:solidFill>
+                <a:latin typeface="Consolas" panose="020B0609020204030204" pitchFamily="49" charset="0"/>
+              </a:rPr>
+              <a:t>                }</a:t>
+            </a:r>
+            <a:endParaRPr lang="nl-BE" dirty="0"/>
           </a:p>
         </p:txBody>
       </p:sp>
     </p:spTree>
     <p:extLst>
       <p:ext uri="{BB962C8B-B14F-4D97-AF65-F5344CB8AC3E}">
-        <p14:creationId xmlns:p14="http://schemas.microsoft.com/office/powerpoint/2010/main" val="2241860485"/>
+        <p14:creationId xmlns:p14="http://schemas.microsoft.com/office/powerpoint/2010/main" val="518612168"/>
       </p:ext>
     </p:extLst>
   </p:cSld>
@@ -9933,6 +10230,377 @@
       </p:grpSpPr>
       <p:sp>
         <p:nvSpPr>
+          <p:cNvPr id="138" name="Rectangle 137">
+            <a:extLst>
+              <a:ext uri="{FF2B5EF4-FFF2-40B4-BE49-F238E27FC236}">
+                <a16:creationId xmlns:a16="http://schemas.microsoft.com/office/drawing/2014/main" id="{23962611-DFD5-4092-AAFD-559E3DFCE2C9}"/>
+              </a:ext>
+              <a:ext uri="{C183D7F6-B498-43B3-948B-1728B52AA6E4}">
+                <adec:decorative xmlns:adec="http://schemas.microsoft.com/office/drawing/2017/decorative" val="1"/>
+              </a:ext>
+            </a:extLst>
+          </p:cNvPr>
+          <p:cNvSpPr>
+            <a:spLocks noGrp="1" noRot="1" noChangeAspect="1" noMove="1" noResize="1" noEditPoints="1" noAdjustHandles="1" noChangeArrowheads="1" noChangeShapeType="1" noTextEdit="1"/>
+          </p:cNvSpPr>
+          <p:nvPr>
+            <p:extLst>
+              <p:ext uri="{386F3935-93C4-4BCD-93E2-E3B085C9AB24}">
+                <p16:designElem xmlns:p16="http://schemas.microsoft.com/office/powerpoint/2015/main" val="1"/>
+              </p:ext>
+            </p:extLst>
+          </p:nvPr>
+        </p:nvSpPr>
+        <p:spPr>
+          <a:xfrm>
+            <a:off x="475488" y="0"/>
+            <a:ext cx="10910292" cy="6858000"/>
+          </a:xfrm>
+          <a:prstGeom prst="rect">
+            <a:avLst/>
+          </a:prstGeom>
+          <a:gradFill>
+            <a:gsLst>
+              <a:gs pos="0">
+                <a:schemeClr val="accent1">
+                  <a:lumMod val="90000"/>
+                </a:schemeClr>
+              </a:gs>
+              <a:gs pos="25000">
+                <a:schemeClr val="accent1">
+                  <a:lumMod val="90000"/>
+                </a:schemeClr>
+              </a:gs>
+              <a:gs pos="94000">
+                <a:schemeClr val="bg2">
+                  <a:lumMod val="25000"/>
+                </a:schemeClr>
+              </a:gs>
+              <a:gs pos="100000">
+                <a:schemeClr val="bg2">
+                  <a:lumMod val="25000"/>
+                </a:schemeClr>
+              </a:gs>
+            </a:gsLst>
+            <a:lin ang="4200000" scaled="0"/>
+          </a:gradFill>
+          <a:ln>
+            <a:noFill/>
+          </a:ln>
+        </p:spPr>
+        <p:style>
+          <a:lnRef idx="2">
+            <a:schemeClr val="accent1">
+              <a:shade val="50000"/>
+            </a:schemeClr>
+          </a:lnRef>
+          <a:fillRef idx="1">
+            <a:schemeClr val="accent1"/>
+          </a:fillRef>
+          <a:effectRef idx="0">
+            <a:schemeClr val="accent1"/>
+          </a:effectRef>
+          <a:fontRef idx="minor">
+            <a:schemeClr val="lt1"/>
+          </a:fontRef>
+        </p:style>
+        <p:txBody>
+          <a:bodyPr rtlCol="0" anchor="ctr"/>
+          <a:lstStyle/>
+          <a:p>
+            <a:pPr marL="0" marR="0" lvl="0" indent="0" algn="ctr" defTabSz="914400" rtl="0" eaLnBrk="1" fontAlgn="auto" latinLnBrk="0" hangingPunct="1">
+              <a:lnSpc>
+                <a:spcPct val="100000"/>
+              </a:lnSpc>
+              <a:spcBef>
+                <a:spcPts val="0"/>
+              </a:spcBef>
+              <a:spcAft>
+                <a:spcPts val="0"/>
+              </a:spcAft>
+              <a:buClrTx/>
+              <a:buSzTx/>
+              <a:buFontTx/>
+              <a:buNone/>
+              <a:tabLst/>
+              <a:defRPr/>
+            </a:pPr>
+            <a:endParaRPr kumimoji="0" lang="en-US" sz="1800" b="0" i="0" u="none" strike="noStrike" kern="1200" cap="none" spc="0" normalizeH="0" baseline="0" noProof="0">
+              <a:ln>
+                <a:noFill/>
+              </a:ln>
+              <a:solidFill>
+                <a:prstClr val="white"/>
+              </a:solidFill>
+              <a:effectLst/>
+              <a:uLnTx/>
+              <a:uFillTx/>
+              <a:latin typeface="Calibri" panose="020F0502020204030204"/>
+              <a:ea typeface="+mn-ea"/>
+              <a:cs typeface="+mn-cs"/>
+            </a:endParaRPr>
+          </a:p>
+        </p:txBody>
+      </p:sp>
+      <p:pic>
+        <p:nvPicPr>
+          <p:cNvPr id="140" name="Picture 139">
+            <a:extLst>
+              <a:ext uri="{FF2B5EF4-FFF2-40B4-BE49-F238E27FC236}">
+                <a16:creationId xmlns:a16="http://schemas.microsoft.com/office/drawing/2014/main" id="{2270F1FA-0425-408F-9861-80BF5AFB276D}"/>
+              </a:ext>
+              <a:ext uri="{C183D7F6-B498-43B3-948B-1728B52AA6E4}">
+                <adec:decorative xmlns:adec="http://schemas.microsoft.com/office/drawing/2017/decorative" val="1"/>
+              </a:ext>
+            </a:extLst>
+          </p:cNvPr>
+          <p:cNvPicPr>
+            <a:picLocks noGrp="1" noRot="1" noChangeAspect="1" noMove="1" noResize="1" noEditPoints="1" noAdjustHandles="1" noChangeArrowheads="1" noChangeShapeType="1" noCrop="1"/>
+          </p:cNvPicPr>
+          <p:nvPr>
+            <p:extLst>
+              <p:ext uri="{386F3935-93C4-4BCD-93E2-E3B085C9AB24}">
+                <p16:designElem xmlns:p16="http://schemas.microsoft.com/office/powerpoint/2015/main" val="1"/>
+              </p:ext>
+            </p:extLst>
+          </p:nvPr>
+        </p:nvPicPr>
+        <p:blipFill>
+          <a:blip r:embed="rId2">
+            <a:extLst>
+              <a:ext uri="{28A0092B-C50C-407E-A947-70E740481C1C}">
+                <a14:useLocalDpi xmlns:a14="http://schemas.microsoft.com/office/drawing/2010/main" val="0"/>
+              </a:ext>
+            </a:extLst>
+          </a:blip>
+          <a:stretch>
+            <a:fillRect/>
+          </a:stretch>
+        </p:blipFill>
+        <p:spPr>
+          <a:xfrm>
+            <a:off x="0" y="0"/>
+            <a:ext cx="12192000" cy="6858000"/>
+          </a:xfrm>
+          <a:prstGeom prst="rect">
+            <a:avLst/>
+          </a:prstGeom>
+        </p:spPr>
+      </p:pic>
+      <p:sp>
+        <p:nvSpPr>
+          <p:cNvPr id="2" name="Titel 1"/>
+          <p:cNvSpPr>
+            <a:spLocks noGrp="1"/>
+          </p:cNvSpPr>
+          <p:nvPr>
+            <p:ph type="title"/>
+          </p:nvPr>
+        </p:nvSpPr>
+        <p:spPr>
+          <a:xfrm>
+            <a:off x="3045368" y="2043663"/>
+            <a:ext cx="6105194" cy="2031055"/>
+          </a:xfrm>
+        </p:spPr>
+        <p:txBody>
+          <a:bodyPr vert="horz" lIns="91440" tIns="45720" rIns="91440" bIns="45720" rtlCol="0" anchor="b">
+            <a:normAutofit/>
+          </a:bodyPr>
+          <a:lstStyle/>
+          <a:p>
+            <a:pPr algn="ctr">
+              <a:defRPr/>
+            </a:pPr>
+            <a:r>
+              <a:rPr lang="en-US" kern="1200" dirty="0" err="1">
+                <a:solidFill>
+                  <a:srgbClr val="FFFFFF"/>
+                </a:solidFill>
+                <a:latin typeface="+mj-lt"/>
+                <a:ea typeface="+mj-ea"/>
+                <a:cs typeface="+mj-cs"/>
+              </a:rPr>
+              <a:t>enum</a:t>
+            </a:r>
+            <a:endParaRPr lang="en-US" kern="1200" dirty="0">
+              <a:solidFill>
+                <a:srgbClr val="FFFFFF"/>
+              </a:solidFill>
+              <a:latin typeface="+mj-lt"/>
+              <a:ea typeface="+mj-ea"/>
+              <a:cs typeface="+mj-cs"/>
+            </a:endParaRPr>
+          </a:p>
+        </p:txBody>
+      </p:sp>
+      <p:sp>
+        <p:nvSpPr>
+          <p:cNvPr id="29699" name="Tijdelijke aanduiding voor tekst 2"/>
+          <p:cNvSpPr>
+            <a:spLocks noGrp="1"/>
+          </p:cNvSpPr>
+          <p:nvPr>
+            <p:ph type="body" idx="1"/>
+          </p:nvPr>
+        </p:nvSpPr>
+        <p:spPr>
+          <a:xfrm>
+            <a:off x="3045368" y="4074718"/>
+            <a:ext cx="6105194" cy="682079"/>
+          </a:xfrm>
+        </p:spPr>
+        <p:txBody>
+          <a:bodyPr vert="horz" lIns="91440" tIns="45720" rIns="91440" bIns="45720" rtlCol="0">
+            <a:normAutofit/>
+          </a:bodyPr>
+          <a:lstStyle/>
+          <a:p>
+            <a:pPr algn="ctr"/>
+            <a:endParaRPr lang="en-US" kern="1200" dirty="0">
+              <a:solidFill>
+                <a:srgbClr val="FFFFFF"/>
+              </a:solidFill>
+              <a:latin typeface="+mn-lt"/>
+              <a:ea typeface="+mn-ea"/>
+              <a:cs typeface="+mn-cs"/>
+            </a:endParaRPr>
+          </a:p>
+        </p:txBody>
+      </p:sp>
+      <p:sp>
+        <p:nvSpPr>
+          <p:cNvPr id="18436" name="Tijdelijke aanduiding voor dianummer 3"/>
+          <p:cNvSpPr>
+            <a:spLocks noGrp="1"/>
+          </p:cNvSpPr>
+          <p:nvPr>
+            <p:ph type="sldNum" sz="quarter" idx="4294967295"/>
+          </p:nvPr>
+        </p:nvSpPr>
+        <p:spPr>
+          <a:xfrm>
+            <a:off x="10825930" y="6223702"/>
+            <a:ext cx="570728" cy="314067"/>
+          </a:xfrm>
+          <a:prstGeom prst="rect">
+            <a:avLst/>
+          </a:prstGeom>
+        </p:spPr>
+        <p:txBody>
+          <a:bodyPr vert="horz" lIns="91440" tIns="45720" rIns="91440" bIns="45720" rtlCol="0" anchor="ctr">
+            <a:normAutofit/>
+          </a:bodyPr>
+          <a:lstStyle/>
+          <a:p>
+            <a:pPr marL="0" marR="0" lvl="0" indent="0" algn="r" defTabSz="914400" rtl="0" eaLnBrk="1" fontAlgn="auto" latinLnBrk="0" hangingPunct="1">
+              <a:lnSpc>
+                <a:spcPct val="100000"/>
+              </a:lnSpc>
+              <a:spcBef>
+                <a:spcPts val="0"/>
+              </a:spcBef>
+              <a:spcAft>
+                <a:spcPts val="600"/>
+              </a:spcAft>
+              <a:buClrTx/>
+              <a:buSzTx/>
+              <a:buFontTx/>
+              <a:buNone/>
+              <a:tabLst/>
+              <a:defRPr/>
+            </a:pPr>
+            <a:fld id="{2E0EF113-4B75-4716-9AAC-E833636944CE}" type="slidenum">
+              <a:rPr kumimoji="0" lang="en-US" sz="1000" b="0" i="0" u="none" strike="noStrike" kern="1200" cap="none" spc="0" normalizeH="0" baseline="0" noProof="0">
+                <a:ln>
+                  <a:noFill/>
+                </a:ln>
+                <a:solidFill>
+                  <a:srgbClr val="898989"/>
+                </a:solidFill>
+                <a:effectLst/>
+                <a:uLnTx/>
+                <a:uFillTx/>
+                <a:latin typeface="Calibri" panose="020F0502020204030204"/>
+                <a:ea typeface="+mn-ea"/>
+                <a:cs typeface="+mn-cs"/>
+              </a:rPr>
+              <a:pPr marL="0" marR="0" lvl="0" indent="0" algn="r" defTabSz="914400" rtl="0" eaLnBrk="1" fontAlgn="auto" latinLnBrk="0" hangingPunct="1">
+                <a:lnSpc>
+                  <a:spcPct val="100000"/>
+                </a:lnSpc>
+                <a:spcBef>
+                  <a:spcPts val="0"/>
+                </a:spcBef>
+                <a:spcAft>
+                  <a:spcPts val="600"/>
+                </a:spcAft>
+                <a:buClrTx/>
+                <a:buSzTx/>
+                <a:buFontTx/>
+                <a:buNone/>
+                <a:tabLst/>
+                <a:defRPr/>
+              </a:pPr>
+              <a:t>20</a:t>
+            </a:fld>
+            <a:endParaRPr kumimoji="0" lang="en-US" sz="1000" b="0" i="0" u="none" strike="noStrike" kern="1200" cap="none" spc="0" normalizeH="0" baseline="0" noProof="0">
+              <a:ln>
+                <a:noFill/>
+              </a:ln>
+              <a:solidFill>
+                <a:srgbClr val="898989"/>
+              </a:solidFill>
+              <a:effectLst/>
+              <a:uLnTx/>
+              <a:uFillTx/>
+              <a:latin typeface="Calibri" panose="020F0502020204030204"/>
+              <a:ea typeface="+mn-ea"/>
+              <a:cs typeface="+mn-cs"/>
+            </a:endParaRPr>
+          </a:p>
+        </p:txBody>
+      </p:sp>
+    </p:spTree>
+    <p:extLst>
+      <p:ext uri="{BB962C8B-B14F-4D97-AF65-F5344CB8AC3E}">
+        <p14:creationId xmlns:p14="http://schemas.microsoft.com/office/powerpoint/2010/main" val="2241860485"/>
+      </p:ext>
+    </p:extLst>
+  </p:cSld>
+  <p:clrMapOvr>
+    <a:masterClrMapping/>
+  </p:clrMapOvr>
+</p:sld>
+</file>
+
+<file path=ppt/slides/slide21.xml><?xml version="1.0" encoding="utf-8"?>
+<p:sld xmlns:a="http://schemas.openxmlformats.org/drawingml/2006/main" xmlns:r="http://schemas.openxmlformats.org/officeDocument/2006/relationships" xmlns:p="http://schemas.openxmlformats.org/presentationml/2006/main">
+  <p:cSld>
+    <p:bg>
+      <p:bgPr>
+        <a:solidFill>
+          <a:schemeClr val="bg1"/>
+        </a:solidFill>
+        <a:effectLst/>
+      </p:bgPr>
+    </p:bg>
+    <p:spTree>
+      <p:nvGrpSpPr>
+        <p:cNvPr id="1" name=""/>
+        <p:cNvGrpSpPr/>
+        <p:nvPr/>
+      </p:nvGrpSpPr>
+      <p:grpSpPr>
+        <a:xfrm>
+          <a:off x="0" y="0"/>
+          <a:ext cx="0" cy="0"/>
+          <a:chOff x="0" y="0"/>
+          <a:chExt cx="0" cy="0"/>
+        </a:xfrm>
+      </p:grpSpPr>
+      <p:sp>
+        <p:nvSpPr>
           <p:cNvPr id="135" name="Rectangle 134">
             <a:extLst>
               <a:ext uri="{FF2B5EF4-FFF2-40B4-BE49-F238E27FC236}">
@@ -10262,7 +10930,7 @@
                 <a:tabLst/>
                 <a:defRPr/>
               </a:pPr>
-              <a:t>20</a:t>
+              <a:t>21</a:t>
             </a:fld>
             <a:endParaRPr kumimoji="0" lang="nl-NL" sz="1000" b="0" i="0" u="none" strike="noStrike" kern="1200" cap="none" spc="0" normalizeH="0" baseline="0" noProof="0">
               <a:ln>
@@ -10294,7 +10962,7 @@
 </p:sld>
 </file>
 
-<file path=ppt/slides/slide21.xml><?xml version="1.0" encoding="utf-8"?>
+<file path=ppt/slides/slide22.xml><?xml version="1.0" encoding="utf-8"?>
 <p:sld xmlns:a="http://schemas.openxmlformats.org/drawingml/2006/main" xmlns:r="http://schemas.openxmlformats.org/officeDocument/2006/relationships" xmlns:p="http://schemas.openxmlformats.org/presentationml/2006/main">
   <p:cSld>
     <p:bg>
@@ -10589,7 +11257,7 @@
 </p:sld>
 </file>
 
-<file path=ppt/slides/slide22.xml><?xml version="1.0" encoding="utf-8"?>
+<file path=ppt/slides/slide23.xml><?xml version="1.0" encoding="utf-8"?>
 <p:sld xmlns:a="http://schemas.openxmlformats.org/drawingml/2006/main" xmlns:r="http://schemas.openxmlformats.org/officeDocument/2006/relationships" xmlns:p="http://schemas.openxmlformats.org/presentationml/2006/main">
   <p:cSld>
     <p:bg>
@@ -11298,7 +11966,7 @@
                 <a:tabLst/>
                 <a:defRPr/>
               </a:pPr>
-              <a:t>22</a:t>
+              <a:t>23</a:t>
             </a:fld>
             <a:endParaRPr kumimoji="0" lang="nl-NL" sz="1100" b="0" i="0" u="none" strike="noStrike" kern="1200" cap="none" spc="0" normalizeH="0" baseline="0" noProof="0">
               <a:ln>
@@ -11330,7 +11998,7 @@
 </p:sld>
 </file>
 
-<file path=ppt/slides/slide23.xml><?xml version="1.0" encoding="utf-8"?>
+<file path=ppt/slides/slide24.xml><?xml version="1.0" encoding="utf-8"?>
 <p:sld xmlns:a="http://schemas.openxmlformats.org/drawingml/2006/main" xmlns:r="http://schemas.openxmlformats.org/officeDocument/2006/relationships" xmlns:p="http://schemas.openxmlformats.org/presentationml/2006/main">
   <p:cSld>
     <p:spTree>
@@ -11545,7 +12213,7 @@
                 <a:tabLst/>
                 <a:defRPr/>
               </a:pPr>
-              <a:t>23</a:t>
+              <a:t>24</a:t>
             </a:fld>
             <a:endParaRPr kumimoji="0" lang="nl-NL" sz="1200" b="0" i="0" u="none" strike="noStrike" kern="1200" cap="none" spc="0" normalizeH="0" baseline="0" noProof="0" dirty="0">
               <a:ln>
@@ -11628,7 +12296,7 @@
 </p:sld>
 </file>
 
-<file path=ppt/slides/slide24.xml><?xml version="1.0" encoding="utf-8"?>
+<file path=ppt/slides/slide25.xml><?xml version="1.0" encoding="utf-8"?>
 <p:sld xmlns:a="http://schemas.openxmlformats.org/drawingml/2006/main" xmlns:r="http://schemas.openxmlformats.org/officeDocument/2006/relationships" xmlns:p="http://schemas.openxmlformats.org/presentationml/2006/main">
   <p:cSld>
     <p:spTree>
@@ -11798,7 +12466,7 @@
                 <a:tabLst/>
                 <a:defRPr/>
               </a:pPr>
-              <a:t>24</a:t>
+              <a:t>25</a:t>
             </a:fld>
             <a:endParaRPr kumimoji="0" lang="nl-NL" sz="1200" b="0" i="0" u="none" strike="noStrike" kern="1200" cap="none" spc="0" normalizeH="0" baseline="0" noProof="0" dirty="0">
               <a:ln>
@@ -12197,7 +12865,7 @@
 </p:sld>
 </file>
 
-<file path=ppt/slides/slide25.xml><?xml version="1.0" encoding="utf-8"?>
+<file path=ppt/slides/slide26.xml><?xml version="1.0" encoding="utf-8"?>
 <p:sld xmlns:a="http://schemas.openxmlformats.org/drawingml/2006/main" xmlns:r="http://schemas.openxmlformats.org/officeDocument/2006/relationships" xmlns:p="http://schemas.openxmlformats.org/presentationml/2006/main">
   <p:cSld>
     <p:spTree>
@@ -12384,7 +13052,7 @@
                 <a:tabLst/>
                 <a:defRPr/>
               </a:pPr>
-              <a:t>25</a:t>
+              <a:t>26</a:t>
             </a:fld>
             <a:endParaRPr kumimoji="0" lang="nl-NL" sz="1200" b="0" i="0" u="none" strike="noStrike" kern="1200" cap="none" spc="0" normalizeH="0" baseline="0" noProof="0" dirty="0">
               <a:ln>
@@ -12562,213 +13230,6 @@
 </p:sld>
 </file>
 
-<file path=ppt/slides/slide26.xml><?xml version="1.0" encoding="utf-8"?>
-<p:sld xmlns:a="http://schemas.openxmlformats.org/drawingml/2006/main" xmlns:r="http://schemas.openxmlformats.org/officeDocument/2006/relationships" xmlns:p="http://schemas.openxmlformats.org/presentationml/2006/main">
-  <p:cSld>
-    <p:spTree>
-      <p:nvGrpSpPr>
-        <p:cNvPr id="1" name=""/>
-        <p:cNvGrpSpPr/>
-        <p:nvPr/>
-      </p:nvGrpSpPr>
-      <p:grpSpPr>
-        <a:xfrm>
-          <a:off x="0" y="0"/>
-          <a:ext cx="0" cy="0"/>
-          <a:chOff x="0" y="0"/>
-          <a:chExt cx="0" cy="0"/>
-        </a:xfrm>
-      </p:grpSpPr>
-      <p:sp>
-        <p:nvSpPr>
-          <p:cNvPr id="35842" name="Titel 1"/>
-          <p:cNvSpPr>
-            <a:spLocks noGrp="1"/>
-          </p:cNvSpPr>
-          <p:nvPr>
-            <p:ph type="title"/>
-          </p:nvPr>
-        </p:nvSpPr>
-        <p:spPr/>
-        <p:txBody>
-          <a:bodyPr/>
-          <a:lstStyle/>
-          <a:p>
-            <a:r>
-              <a:rPr lang="en-IE"/>
-              <a:t>Gebruik enum</a:t>
-            </a:r>
-          </a:p>
-        </p:txBody>
-      </p:sp>
-      <p:sp>
-        <p:nvSpPr>
-          <p:cNvPr id="35843" name="Tijdelijke aanduiding voor inhoud 2"/>
-          <p:cNvSpPr>
-            <a:spLocks noGrp="1"/>
-          </p:cNvSpPr>
-          <p:nvPr>
-            <p:ph idx="1"/>
-          </p:nvPr>
-        </p:nvSpPr>
-        <p:spPr/>
-        <p:txBody>
-          <a:bodyPr/>
-          <a:lstStyle/>
-          <a:p>
-            <a:r>
-              <a:rPr lang="en-IE"/>
-              <a:t>SeaState is als het ware een nieuw type (zoals int, double) die maar 6 mogelijke waarden kan bevatten.</a:t>
-            </a:r>
-          </a:p>
-          <a:p>
-            <a:endParaRPr lang="en-IE"/>
-          </a:p>
-          <a:p>
-            <a:endParaRPr lang="en-IE"/>
-          </a:p>
-        </p:txBody>
-      </p:sp>
-      <p:sp>
-        <p:nvSpPr>
-          <p:cNvPr id="4" name="Tijdelijke aanduiding voor dianummer 3"/>
-          <p:cNvSpPr>
-            <a:spLocks noGrp="1"/>
-          </p:cNvSpPr>
-          <p:nvPr>
-            <p:ph type="sldNum" sz="quarter" idx="4294967295"/>
-          </p:nvPr>
-        </p:nvSpPr>
-        <p:spPr>
-          <a:xfrm>
-            <a:off x="8042275" y="6470650"/>
-            <a:ext cx="2406650" cy="312738"/>
-          </a:xfrm>
-          <a:prstGeom prst="rect">
-            <a:avLst/>
-          </a:prstGeom>
-        </p:spPr>
-        <p:txBody>
-          <a:bodyPr/>
-          <a:lstStyle/>
-          <a:p>
-            <a:pPr marL="0" marR="0" lvl="0" indent="0" algn="r" defTabSz="914400" rtl="0" eaLnBrk="1" fontAlgn="auto" latinLnBrk="0" hangingPunct="1">
-              <a:lnSpc>
-                <a:spcPct val="100000"/>
-              </a:lnSpc>
-              <a:spcBef>
-                <a:spcPts val="0"/>
-              </a:spcBef>
-              <a:spcAft>
-                <a:spcPts val="0"/>
-              </a:spcAft>
-              <a:buClrTx/>
-              <a:buSzTx/>
-              <a:buFontTx/>
-              <a:buNone/>
-              <a:tabLst/>
-              <a:defRPr/>
-            </a:pPr>
-            <a:fld id="{E179F1F0-BC89-44EB-93B0-3A08951E9484}" type="slidenum">
-              <a:rPr kumimoji="0" lang="nl-NL" sz="1200" b="0" i="0" u="none" strike="noStrike" kern="1200" cap="none" spc="0" normalizeH="0" baseline="0" noProof="0" smtClean="0">
-                <a:ln>
-                  <a:noFill/>
-                </a:ln>
-                <a:solidFill>
-                  <a:prstClr val="black">
-                    <a:tint val="75000"/>
-                  </a:prstClr>
-                </a:solidFill>
-                <a:effectLst/>
-                <a:uLnTx/>
-                <a:uFillTx/>
-                <a:latin typeface="Calibri" panose="020F0502020204030204"/>
-                <a:ea typeface="+mn-ea"/>
-                <a:cs typeface="+mn-cs"/>
-              </a:rPr>
-              <a:pPr marL="0" marR="0" lvl="0" indent="0" algn="r" defTabSz="914400" rtl="0" eaLnBrk="1" fontAlgn="auto" latinLnBrk="0" hangingPunct="1">
-                <a:lnSpc>
-                  <a:spcPct val="100000"/>
-                </a:lnSpc>
-                <a:spcBef>
-                  <a:spcPts val="0"/>
-                </a:spcBef>
-                <a:spcAft>
-                  <a:spcPts val="0"/>
-                </a:spcAft>
-                <a:buClrTx/>
-                <a:buSzTx/>
-                <a:buFontTx/>
-                <a:buNone/>
-                <a:tabLst/>
-                <a:defRPr/>
-              </a:pPr>
-              <a:t>26</a:t>
-            </a:fld>
-            <a:endParaRPr kumimoji="0" lang="nl-NL" sz="1200" b="0" i="0" u="none" strike="noStrike" kern="1200" cap="none" spc="0" normalizeH="0" baseline="0" noProof="0" dirty="0">
-              <a:ln>
-                <a:noFill/>
-              </a:ln>
-              <a:solidFill>
-                <a:prstClr val="black">
-                  <a:tint val="75000"/>
-                </a:prstClr>
-              </a:solidFill>
-              <a:effectLst/>
-              <a:uLnTx/>
-              <a:uFillTx/>
-              <a:latin typeface="Calibri" panose="020F0502020204030204"/>
-              <a:ea typeface="+mn-ea"/>
-              <a:cs typeface="+mn-cs"/>
-            </a:endParaRPr>
-          </a:p>
-        </p:txBody>
-      </p:sp>
-      <p:pic>
-        <p:nvPicPr>
-          <p:cNvPr id="35845" name="Picture 2"/>
-          <p:cNvPicPr>
-            <a:picLocks noChangeAspect="1" noChangeArrowheads="1"/>
-          </p:cNvPicPr>
-          <p:nvPr/>
-        </p:nvPicPr>
-        <p:blipFill>
-          <a:blip r:embed="rId2" cstate="print"/>
-          <a:srcRect/>
-          <a:stretch>
-            <a:fillRect/>
-          </a:stretch>
-        </p:blipFill>
-        <p:spPr bwMode="auto">
-          <a:xfrm>
-            <a:off x="3206686" y="3365866"/>
-            <a:ext cx="6861175" cy="1833563"/>
-          </a:xfrm>
-          <a:prstGeom prst="rect">
-            <a:avLst/>
-          </a:prstGeom>
-          <a:noFill/>
-          <a:ln w="9525">
-            <a:noFill/>
-            <a:miter lim="800000"/>
-            <a:headEnd/>
-            <a:tailEnd/>
-          </a:ln>
-        </p:spPr>
-      </p:pic>
-    </p:spTree>
-    <p:extLst>
-      <p:ext uri="{BB962C8B-B14F-4D97-AF65-F5344CB8AC3E}">
-        <p14:creationId xmlns:p14="http://schemas.microsoft.com/office/powerpoint/2010/main" val="1383035787"/>
-      </p:ext>
-    </p:extLst>
-  </p:cSld>
-  <p:clrMapOvr>
-    <a:masterClrMapping/>
-  </p:clrMapOvr>
-</p:sld>
-</file>
-
 <file path=ppt/slides/slide27.xml><?xml version="1.0" encoding="utf-8"?>
 <p:sld xmlns:a="http://schemas.openxmlformats.org/drawingml/2006/main" xmlns:r="http://schemas.openxmlformats.org/officeDocument/2006/relationships" xmlns:p="http://schemas.openxmlformats.org/presentationml/2006/main">
   <p:cSld>
@@ -12802,10 +13263,9 @@
           <a:lstStyle/>
           <a:p>
             <a:r>
-              <a:rPr lang="en-IE" dirty="0" err="1"/>
-              <a:t>Slowmotion</a:t>
-            </a:r>
-            <a:endParaRPr lang="en-IE" dirty="0"/>
+              <a:rPr lang="en-IE"/>
+              <a:t>Gebruik enum</a:t>
+            </a:r>
           </a:p>
         </p:txBody>
       </p:sp>
@@ -12825,52 +13285,15 @@
           <a:lstStyle/>
           <a:p>
             <a:r>
-              <a:rPr lang="en-IE" dirty="0"/>
-              <a:t>1° </a:t>
-            </a:r>
-            <a:r>
-              <a:rPr lang="en-IE" dirty="0" err="1"/>
-              <a:t>Variabele</a:t>
-            </a:r>
-            <a:r>
-              <a:rPr lang="en-IE" dirty="0"/>
-              <a:t> van het type </a:t>
-            </a:r>
-            <a:r>
-              <a:rPr lang="en-IE" dirty="0" err="1"/>
-              <a:t>SeaState</a:t>
-            </a:r>
-            <a:r>
-              <a:rPr lang="en-IE" dirty="0"/>
-              <a:t> </a:t>
-            </a:r>
-            <a:r>
-              <a:rPr lang="en-IE" dirty="0" err="1"/>
-              <a:t>aanmaken</a:t>
-            </a:r>
-            <a:r>
-              <a:rPr lang="en-IE" dirty="0"/>
-              <a:t>, </a:t>
-            </a:r>
-            <a:r>
-              <a:rPr lang="en-IE" dirty="0" err="1"/>
-              <a:t>genaamd</a:t>
-            </a:r>
-            <a:r>
-              <a:rPr lang="en-IE" dirty="0"/>
-              <a:t> </a:t>
-            </a:r>
-            <a:r>
-              <a:rPr lang="en-IE" dirty="0" err="1"/>
-              <a:t>openSea</a:t>
-            </a:r>
-            <a:endParaRPr lang="en-IE" dirty="0"/>
-          </a:p>
-          <a:p>
-            <a:endParaRPr lang="en-IE" dirty="0"/>
-          </a:p>
-          <a:p>
-            <a:endParaRPr lang="en-IE" dirty="0"/>
+              <a:rPr lang="en-IE"/>
+              <a:t>SeaState is als het ware een nieuw type (zoals int, double) die maar 6 mogelijke waarden kan bevatten.</a:t>
+            </a:r>
+          </a:p>
+          <a:p>
+            <a:endParaRPr lang="en-IE"/>
+          </a:p>
+          <a:p>
+            <a:endParaRPr lang="en-IE"/>
           </a:p>
         </p:txBody>
       </p:sp>
@@ -12949,6 +13372,251 @@
                 <a:defRPr/>
               </a:pPr>
               <a:t>27</a:t>
+            </a:fld>
+            <a:endParaRPr kumimoji="0" lang="nl-NL" sz="1200" b="0" i="0" u="none" strike="noStrike" kern="1200" cap="none" spc="0" normalizeH="0" baseline="0" noProof="0" dirty="0">
+              <a:ln>
+                <a:noFill/>
+              </a:ln>
+              <a:solidFill>
+                <a:prstClr val="black">
+                  <a:tint val="75000"/>
+                </a:prstClr>
+              </a:solidFill>
+              <a:effectLst/>
+              <a:uLnTx/>
+              <a:uFillTx/>
+              <a:latin typeface="Calibri" panose="020F0502020204030204"/>
+              <a:ea typeface="+mn-ea"/>
+              <a:cs typeface="+mn-cs"/>
+            </a:endParaRPr>
+          </a:p>
+        </p:txBody>
+      </p:sp>
+      <p:pic>
+        <p:nvPicPr>
+          <p:cNvPr id="35845" name="Picture 2"/>
+          <p:cNvPicPr>
+            <a:picLocks noChangeAspect="1" noChangeArrowheads="1"/>
+          </p:cNvPicPr>
+          <p:nvPr/>
+        </p:nvPicPr>
+        <p:blipFill>
+          <a:blip r:embed="rId2" cstate="print"/>
+          <a:srcRect/>
+          <a:stretch>
+            <a:fillRect/>
+          </a:stretch>
+        </p:blipFill>
+        <p:spPr bwMode="auto">
+          <a:xfrm>
+            <a:off x="3206686" y="3365866"/>
+            <a:ext cx="6861175" cy="1833563"/>
+          </a:xfrm>
+          <a:prstGeom prst="rect">
+            <a:avLst/>
+          </a:prstGeom>
+          <a:noFill/>
+          <a:ln w="9525">
+            <a:noFill/>
+            <a:miter lim="800000"/>
+            <a:headEnd/>
+            <a:tailEnd/>
+          </a:ln>
+        </p:spPr>
+      </p:pic>
+    </p:spTree>
+    <p:extLst>
+      <p:ext uri="{BB962C8B-B14F-4D97-AF65-F5344CB8AC3E}">
+        <p14:creationId xmlns:p14="http://schemas.microsoft.com/office/powerpoint/2010/main" val="1383035787"/>
+      </p:ext>
+    </p:extLst>
+  </p:cSld>
+  <p:clrMapOvr>
+    <a:masterClrMapping/>
+  </p:clrMapOvr>
+</p:sld>
+</file>
+
+<file path=ppt/slides/slide28.xml><?xml version="1.0" encoding="utf-8"?>
+<p:sld xmlns:a="http://schemas.openxmlformats.org/drawingml/2006/main" xmlns:r="http://schemas.openxmlformats.org/officeDocument/2006/relationships" xmlns:p="http://schemas.openxmlformats.org/presentationml/2006/main">
+  <p:cSld>
+    <p:spTree>
+      <p:nvGrpSpPr>
+        <p:cNvPr id="1" name=""/>
+        <p:cNvGrpSpPr/>
+        <p:nvPr/>
+      </p:nvGrpSpPr>
+      <p:grpSpPr>
+        <a:xfrm>
+          <a:off x="0" y="0"/>
+          <a:ext cx="0" cy="0"/>
+          <a:chOff x="0" y="0"/>
+          <a:chExt cx="0" cy="0"/>
+        </a:xfrm>
+      </p:grpSpPr>
+      <p:sp>
+        <p:nvSpPr>
+          <p:cNvPr id="35842" name="Titel 1"/>
+          <p:cNvSpPr>
+            <a:spLocks noGrp="1"/>
+          </p:cNvSpPr>
+          <p:nvPr>
+            <p:ph type="title"/>
+          </p:nvPr>
+        </p:nvSpPr>
+        <p:spPr/>
+        <p:txBody>
+          <a:bodyPr/>
+          <a:lstStyle/>
+          <a:p>
+            <a:r>
+              <a:rPr lang="en-IE" dirty="0" err="1"/>
+              <a:t>Slowmotion</a:t>
+            </a:r>
+            <a:endParaRPr lang="en-IE" dirty="0"/>
+          </a:p>
+        </p:txBody>
+      </p:sp>
+      <p:sp>
+        <p:nvSpPr>
+          <p:cNvPr id="35843" name="Tijdelijke aanduiding voor inhoud 2"/>
+          <p:cNvSpPr>
+            <a:spLocks noGrp="1"/>
+          </p:cNvSpPr>
+          <p:nvPr>
+            <p:ph idx="1"/>
+          </p:nvPr>
+        </p:nvSpPr>
+        <p:spPr/>
+        <p:txBody>
+          <a:bodyPr/>
+          <a:lstStyle/>
+          <a:p>
+            <a:r>
+              <a:rPr lang="en-IE" dirty="0"/>
+              <a:t>1° </a:t>
+            </a:r>
+            <a:r>
+              <a:rPr lang="en-IE" dirty="0" err="1"/>
+              <a:t>Variabele</a:t>
+            </a:r>
+            <a:r>
+              <a:rPr lang="en-IE" dirty="0"/>
+              <a:t> van het type </a:t>
+            </a:r>
+            <a:r>
+              <a:rPr lang="en-IE" dirty="0" err="1"/>
+              <a:t>SeaState</a:t>
+            </a:r>
+            <a:r>
+              <a:rPr lang="en-IE" dirty="0"/>
+              <a:t> </a:t>
+            </a:r>
+            <a:r>
+              <a:rPr lang="en-IE" dirty="0" err="1"/>
+              <a:t>aanmaken</a:t>
+            </a:r>
+            <a:r>
+              <a:rPr lang="en-IE" dirty="0"/>
+              <a:t>, </a:t>
+            </a:r>
+            <a:r>
+              <a:rPr lang="en-IE" dirty="0" err="1"/>
+              <a:t>genaamd</a:t>
+            </a:r>
+            <a:r>
+              <a:rPr lang="en-IE" dirty="0"/>
+              <a:t> </a:t>
+            </a:r>
+            <a:r>
+              <a:rPr lang="en-IE" dirty="0" err="1"/>
+              <a:t>openSea</a:t>
+            </a:r>
+            <a:endParaRPr lang="en-IE" dirty="0"/>
+          </a:p>
+          <a:p>
+            <a:endParaRPr lang="en-IE" dirty="0"/>
+          </a:p>
+          <a:p>
+            <a:endParaRPr lang="en-IE" dirty="0"/>
+          </a:p>
+        </p:txBody>
+      </p:sp>
+      <p:sp>
+        <p:nvSpPr>
+          <p:cNvPr id="4" name="Tijdelijke aanduiding voor dianummer 3"/>
+          <p:cNvSpPr>
+            <a:spLocks noGrp="1"/>
+          </p:cNvSpPr>
+          <p:nvPr>
+            <p:ph type="sldNum" sz="quarter" idx="4294967295"/>
+          </p:nvPr>
+        </p:nvSpPr>
+        <p:spPr>
+          <a:xfrm>
+            <a:off x="8042275" y="6470650"/>
+            <a:ext cx="2406650" cy="312738"/>
+          </a:xfrm>
+          <a:prstGeom prst="rect">
+            <a:avLst/>
+          </a:prstGeom>
+        </p:spPr>
+        <p:txBody>
+          <a:bodyPr/>
+          <a:lstStyle/>
+          <a:p>
+            <a:pPr marL="0" marR="0" lvl="0" indent="0" algn="r" defTabSz="914400" rtl="0" eaLnBrk="1" fontAlgn="auto" latinLnBrk="0" hangingPunct="1">
+              <a:lnSpc>
+                <a:spcPct val="100000"/>
+              </a:lnSpc>
+              <a:spcBef>
+                <a:spcPts val="0"/>
+              </a:spcBef>
+              <a:spcAft>
+                <a:spcPts val="0"/>
+              </a:spcAft>
+              <a:buClrTx/>
+              <a:buSzTx/>
+              <a:buFontTx/>
+              <a:buNone/>
+              <a:tabLst/>
+              <a:defRPr/>
+            </a:pPr>
+            <a:fld id="{E179F1F0-BC89-44EB-93B0-3A08951E9484}" type="slidenum">
+              <a:rPr kumimoji="0" lang="nl-NL" sz="1200" b="0" i="0" u="none" strike="noStrike" kern="1200" cap="none" spc="0" normalizeH="0" baseline="0" noProof="0" smtClean="0">
+                <a:ln>
+                  <a:noFill/>
+                </a:ln>
+                <a:solidFill>
+                  <a:prstClr val="black">
+                    <a:tint val="75000"/>
+                  </a:prstClr>
+                </a:solidFill>
+                <a:effectLst/>
+                <a:uLnTx/>
+                <a:uFillTx/>
+                <a:latin typeface="Calibri" panose="020F0502020204030204"/>
+                <a:ea typeface="+mn-ea"/>
+                <a:cs typeface="+mn-cs"/>
+              </a:rPr>
+              <a:pPr marL="0" marR="0" lvl="0" indent="0" algn="r" defTabSz="914400" rtl="0" eaLnBrk="1" fontAlgn="auto" latinLnBrk="0" hangingPunct="1">
+                <a:lnSpc>
+                  <a:spcPct val="100000"/>
+                </a:lnSpc>
+                <a:spcBef>
+                  <a:spcPts val="0"/>
+                </a:spcBef>
+                <a:spcAft>
+                  <a:spcPts val="0"/>
+                </a:spcAft>
+                <a:buClrTx/>
+                <a:buSzTx/>
+                <a:buFontTx/>
+                <a:buNone/>
+                <a:tabLst/>
+                <a:defRPr/>
+              </a:pPr>
+              <a:t>28</a:t>
             </a:fld>
             <a:endParaRPr kumimoji="0" lang="nl-NL" sz="1200" b="0" i="0" u="none" strike="noStrike" kern="1200" cap="none" spc="0" normalizeH="0" baseline="0" noProof="0" dirty="0">
               <a:ln>
@@ -13097,7 +13765,7 @@
 </p:sld>
 </file>
 
-<file path=ppt/slides/slide28.xml><?xml version="1.0" encoding="utf-8"?>
+<file path=ppt/slides/slide29.xml><?xml version="1.0" encoding="utf-8"?>
 <p:sld xmlns:a="http://schemas.openxmlformats.org/drawingml/2006/main" xmlns:r="http://schemas.openxmlformats.org/officeDocument/2006/relationships" xmlns:p="http://schemas.openxmlformats.org/presentationml/2006/main">
   <p:cSld>
     <p:spTree>
@@ -13292,7 +13960,7 @@
                 <a:tabLst/>
                 <a:defRPr/>
               </a:pPr>
-              <a:t>28</a:t>
+              <a:t>29</a:t>
             </a:fld>
             <a:endParaRPr kumimoji="0" lang="nl-NL" sz="1200" b="0" i="0" u="none" strike="noStrike" kern="1200" cap="none" spc="0" normalizeH="0" baseline="0" noProof="0" dirty="0">
               <a:ln>
@@ -13432,259 +14100,6 @@
     <p:extLst>
       <p:ext uri="{BB962C8B-B14F-4D97-AF65-F5344CB8AC3E}">
         <p14:creationId xmlns:p14="http://schemas.microsoft.com/office/powerpoint/2010/main" val="494920847"/>
-      </p:ext>
-    </p:extLst>
-  </p:cSld>
-  <p:clrMapOvr>
-    <a:masterClrMapping/>
-  </p:clrMapOvr>
-</p:sld>
-</file>
-
-<file path=ppt/slides/slide29.xml><?xml version="1.0" encoding="utf-8"?>
-<p:sld xmlns:a="http://schemas.openxmlformats.org/drawingml/2006/main" xmlns:r="http://schemas.openxmlformats.org/officeDocument/2006/relationships" xmlns:p="http://schemas.openxmlformats.org/presentationml/2006/main">
-  <p:cSld>
-    <p:spTree>
-      <p:nvGrpSpPr>
-        <p:cNvPr id="1" name=""/>
-        <p:cNvGrpSpPr/>
-        <p:nvPr/>
-      </p:nvGrpSpPr>
-      <p:grpSpPr>
-        <a:xfrm>
-          <a:off x="0" y="0"/>
-          <a:ext cx="0" cy="0"/>
-          <a:chOff x="0" y="0"/>
-          <a:chExt cx="0" cy="0"/>
-        </a:xfrm>
-      </p:grpSpPr>
-      <p:sp>
-        <p:nvSpPr>
-          <p:cNvPr id="35842" name="Titel 1"/>
-          <p:cNvSpPr>
-            <a:spLocks noGrp="1"/>
-          </p:cNvSpPr>
-          <p:nvPr>
-            <p:ph type="title"/>
-          </p:nvPr>
-        </p:nvSpPr>
-        <p:spPr/>
-        <p:txBody>
-          <a:bodyPr/>
-          <a:lstStyle/>
-          <a:p>
-            <a:r>
-              <a:rPr lang="en-IE" dirty="0" err="1"/>
-              <a:t>Slowmotion</a:t>
-            </a:r>
-            <a:endParaRPr lang="en-IE" dirty="0"/>
-          </a:p>
-        </p:txBody>
-      </p:sp>
-      <p:sp>
-        <p:nvSpPr>
-          <p:cNvPr id="35843" name="Tijdelijke aanduiding voor inhoud 2"/>
-          <p:cNvSpPr>
-            <a:spLocks noGrp="1"/>
-          </p:cNvSpPr>
-          <p:nvPr>
-            <p:ph idx="1"/>
-          </p:nvPr>
-        </p:nvSpPr>
-        <p:spPr/>
-        <p:txBody>
-          <a:bodyPr/>
-          <a:lstStyle/>
-          <a:p>
-            <a:r>
-              <a:rPr lang="en-IE" dirty="0"/>
-              <a:t>3° </a:t>
-            </a:r>
-            <a:r>
-              <a:rPr lang="en-IE" dirty="0" err="1"/>
-              <a:t>Iets</a:t>
-            </a:r>
-            <a:r>
-              <a:rPr lang="en-IE" dirty="0"/>
-              <a:t> </a:t>
-            </a:r>
-            <a:r>
-              <a:rPr lang="en-IE" dirty="0" err="1"/>
-              <a:t>doen</a:t>
-            </a:r>
-            <a:r>
-              <a:rPr lang="en-IE" dirty="0"/>
-              <a:t> </a:t>
-            </a:r>
-            <a:r>
-              <a:rPr lang="en-IE" dirty="0" err="1"/>
-              <a:t>afhankelijk</a:t>
-            </a:r>
-            <a:r>
-              <a:rPr lang="en-IE" dirty="0"/>
-              <a:t> van de </a:t>
-            </a:r>
-            <a:r>
-              <a:rPr lang="en-IE" dirty="0" err="1"/>
-              <a:t>huidige</a:t>
-            </a:r>
-            <a:r>
-              <a:rPr lang="en-IE" dirty="0"/>
-              <a:t> </a:t>
-            </a:r>
-            <a:r>
-              <a:rPr lang="en-IE" dirty="0" err="1"/>
-              <a:t>waarde</a:t>
-            </a:r>
-            <a:r>
-              <a:rPr lang="en-IE" dirty="0"/>
-              <a:t> van </a:t>
-            </a:r>
-            <a:r>
-              <a:rPr lang="en-IE" dirty="0" err="1"/>
-              <a:t>openSea</a:t>
-            </a:r>
-            <a:endParaRPr lang="en-IE" dirty="0"/>
-          </a:p>
-          <a:p>
-            <a:endParaRPr lang="en-IE" dirty="0"/>
-          </a:p>
-          <a:p>
-            <a:endParaRPr lang="en-IE" dirty="0"/>
-          </a:p>
-        </p:txBody>
-      </p:sp>
-      <p:sp>
-        <p:nvSpPr>
-          <p:cNvPr id="4" name="Tijdelijke aanduiding voor dianummer 3"/>
-          <p:cNvSpPr>
-            <a:spLocks noGrp="1"/>
-          </p:cNvSpPr>
-          <p:nvPr>
-            <p:ph type="sldNum" sz="quarter" idx="4294967295"/>
-          </p:nvPr>
-        </p:nvSpPr>
-        <p:spPr>
-          <a:xfrm>
-            <a:off x="8042275" y="6470650"/>
-            <a:ext cx="2406650" cy="312738"/>
-          </a:xfrm>
-          <a:prstGeom prst="rect">
-            <a:avLst/>
-          </a:prstGeom>
-        </p:spPr>
-        <p:txBody>
-          <a:bodyPr/>
-          <a:lstStyle/>
-          <a:p>
-            <a:pPr marL="0" marR="0" lvl="0" indent="0" algn="r" defTabSz="914400" rtl="0" eaLnBrk="1" fontAlgn="auto" latinLnBrk="0" hangingPunct="1">
-              <a:lnSpc>
-                <a:spcPct val="100000"/>
-              </a:lnSpc>
-              <a:spcBef>
-                <a:spcPts val="0"/>
-              </a:spcBef>
-              <a:spcAft>
-                <a:spcPts val="0"/>
-              </a:spcAft>
-              <a:buClrTx/>
-              <a:buSzTx/>
-              <a:buFontTx/>
-              <a:buNone/>
-              <a:tabLst/>
-              <a:defRPr/>
-            </a:pPr>
-            <a:fld id="{E179F1F0-BC89-44EB-93B0-3A08951E9484}" type="slidenum">
-              <a:rPr kumimoji="0" lang="nl-NL" sz="1200" b="0" i="0" u="none" strike="noStrike" kern="1200" cap="none" spc="0" normalizeH="0" baseline="0" noProof="0" smtClean="0">
-                <a:ln>
-                  <a:noFill/>
-                </a:ln>
-                <a:solidFill>
-                  <a:prstClr val="black">
-                    <a:tint val="75000"/>
-                  </a:prstClr>
-                </a:solidFill>
-                <a:effectLst/>
-                <a:uLnTx/>
-                <a:uFillTx/>
-                <a:latin typeface="Calibri" panose="020F0502020204030204"/>
-                <a:ea typeface="+mn-ea"/>
-                <a:cs typeface="+mn-cs"/>
-              </a:rPr>
-              <a:pPr marL="0" marR="0" lvl="0" indent="0" algn="r" defTabSz="914400" rtl="0" eaLnBrk="1" fontAlgn="auto" latinLnBrk="0" hangingPunct="1">
-                <a:lnSpc>
-                  <a:spcPct val="100000"/>
-                </a:lnSpc>
-                <a:spcBef>
-                  <a:spcPts val="0"/>
-                </a:spcBef>
-                <a:spcAft>
-                  <a:spcPts val="0"/>
-                </a:spcAft>
-                <a:buClrTx/>
-                <a:buSzTx/>
-                <a:buFontTx/>
-                <a:buNone/>
-                <a:tabLst/>
-                <a:defRPr/>
-              </a:pPr>
-              <a:t>29</a:t>
-            </a:fld>
-            <a:endParaRPr kumimoji="0" lang="nl-NL" sz="1200" b="0" i="0" u="none" strike="noStrike" kern="1200" cap="none" spc="0" normalizeH="0" baseline="0" noProof="0" dirty="0">
-              <a:ln>
-                <a:noFill/>
-              </a:ln>
-              <a:solidFill>
-                <a:prstClr val="black">
-                  <a:tint val="75000"/>
-                </a:prstClr>
-              </a:solidFill>
-              <a:effectLst/>
-              <a:uLnTx/>
-              <a:uFillTx/>
-              <a:latin typeface="Calibri" panose="020F0502020204030204"/>
-              <a:ea typeface="+mn-ea"/>
-              <a:cs typeface="+mn-cs"/>
-            </a:endParaRPr>
-          </a:p>
-        </p:txBody>
-      </p:sp>
-      <p:pic>
-        <p:nvPicPr>
-          <p:cNvPr id="35845" name="Picture 2"/>
-          <p:cNvPicPr>
-            <a:picLocks noChangeAspect="1" noChangeArrowheads="1"/>
-          </p:cNvPicPr>
-          <p:nvPr/>
-        </p:nvPicPr>
-        <p:blipFill>
-          <a:blip r:embed="rId2" cstate="print"/>
-          <a:srcRect/>
-          <a:stretch>
-            <a:fillRect/>
-          </a:stretch>
-        </p:blipFill>
-        <p:spPr bwMode="auto">
-          <a:xfrm>
-            <a:off x="3515092" y="2949246"/>
-            <a:ext cx="6861175" cy="1833563"/>
-          </a:xfrm>
-          <a:prstGeom prst="rect">
-            <a:avLst/>
-          </a:prstGeom>
-          <a:noFill/>
-          <a:ln w="9525">
-            <a:noFill/>
-            <a:miter lim="800000"/>
-            <a:headEnd/>
-            <a:tailEnd/>
-          </a:ln>
-        </p:spPr>
-      </p:pic>
-    </p:spTree>
-    <p:extLst>
-      <p:ext uri="{BB962C8B-B14F-4D97-AF65-F5344CB8AC3E}">
-        <p14:creationId xmlns:p14="http://schemas.microsoft.com/office/powerpoint/2010/main" val="4033307156"/>
       </p:ext>
     </p:extLst>
   </p:cSld>
@@ -14245,6 +14660,259 @@
       </p:grpSpPr>
       <p:sp>
         <p:nvSpPr>
+          <p:cNvPr id="35842" name="Titel 1"/>
+          <p:cNvSpPr>
+            <a:spLocks noGrp="1"/>
+          </p:cNvSpPr>
+          <p:nvPr>
+            <p:ph type="title"/>
+          </p:nvPr>
+        </p:nvSpPr>
+        <p:spPr/>
+        <p:txBody>
+          <a:bodyPr/>
+          <a:lstStyle/>
+          <a:p>
+            <a:r>
+              <a:rPr lang="en-IE" dirty="0" err="1"/>
+              <a:t>Slowmotion</a:t>
+            </a:r>
+            <a:endParaRPr lang="en-IE" dirty="0"/>
+          </a:p>
+        </p:txBody>
+      </p:sp>
+      <p:sp>
+        <p:nvSpPr>
+          <p:cNvPr id="35843" name="Tijdelijke aanduiding voor inhoud 2"/>
+          <p:cNvSpPr>
+            <a:spLocks noGrp="1"/>
+          </p:cNvSpPr>
+          <p:nvPr>
+            <p:ph idx="1"/>
+          </p:nvPr>
+        </p:nvSpPr>
+        <p:spPr/>
+        <p:txBody>
+          <a:bodyPr/>
+          <a:lstStyle/>
+          <a:p>
+            <a:r>
+              <a:rPr lang="en-IE" dirty="0"/>
+              <a:t>3° </a:t>
+            </a:r>
+            <a:r>
+              <a:rPr lang="en-IE" dirty="0" err="1"/>
+              <a:t>Iets</a:t>
+            </a:r>
+            <a:r>
+              <a:rPr lang="en-IE" dirty="0"/>
+              <a:t> </a:t>
+            </a:r>
+            <a:r>
+              <a:rPr lang="en-IE" dirty="0" err="1"/>
+              <a:t>doen</a:t>
+            </a:r>
+            <a:r>
+              <a:rPr lang="en-IE" dirty="0"/>
+              <a:t> </a:t>
+            </a:r>
+            <a:r>
+              <a:rPr lang="en-IE" dirty="0" err="1"/>
+              <a:t>afhankelijk</a:t>
+            </a:r>
+            <a:r>
+              <a:rPr lang="en-IE" dirty="0"/>
+              <a:t> van de </a:t>
+            </a:r>
+            <a:r>
+              <a:rPr lang="en-IE" dirty="0" err="1"/>
+              <a:t>huidige</a:t>
+            </a:r>
+            <a:r>
+              <a:rPr lang="en-IE" dirty="0"/>
+              <a:t> </a:t>
+            </a:r>
+            <a:r>
+              <a:rPr lang="en-IE" dirty="0" err="1"/>
+              <a:t>waarde</a:t>
+            </a:r>
+            <a:r>
+              <a:rPr lang="en-IE" dirty="0"/>
+              <a:t> van </a:t>
+            </a:r>
+            <a:r>
+              <a:rPr lang="en-IE" dirty="0" err="1"/>
+              <a:t>openSea</a:t>
+            </a:r>
+            <a:endParaRPr lang="en-IE" dirty="0"/>
+          </a:p>
+          <a:p>
+            <a:endParaRPr lang="en-IE" dirty="0"/>
+          </a:p>
+          <a:p>
+            <a:endParaRPr lang="en-IE" dirty="0"/>
+          </a:p>
+        </p:txBody>
+      </p:sp>
+      <p:sp>
+        <p:nvSpPr>
+          <p:cNvPr id="4" name="Tijdelijke aanduiding voor dianummer 3"/>
+          <p:cNvSpPr>
+            <a:spLocks noGrp="1"/>
+          </p:cNvSpPr>
+          <p:nvPr>
+            <p:ph type="sldNum" sz="quarter" idx="4294967295"/>
+          </p:nvPr>
+        </p:nvSpPr>
+        <p:spPr>
+          <a:xfrm>
+            <a:off x="8042275" y="6470650"/>
+            <a:ext cx="2406650" cy="312738"/>
+          </a:xfrm>
+          <a:prstGeom prst="rect">
+            <a:avLst/>
+          </a:prstGeom>
+        </p:spPr>
+        <p:txBody>
+          <a:bodyPr/>
+          <a:lstStyle/>
+          <a:p>
+            <a:pPr marL="0" marR="0" lvl="0" indent="0" algn="r" defTabSz="914400" rtl="0" eaLnBrk="1" fontAlgn="auto" latinLnBrk="0" hangingPunct="1">
+              <a:lnSpc>
+                <a:spcPct val="100000"/>
+              </a:lnSpc>
+              <a:spcBef>
+                <a:spcPts val="0"/>
+              </a:spcBef>
+              <a:spcAft>
+                <a:spcPts val="0"/>
+              </a:spcAft>
+              <a:buClrTx/>
+              <a:buSzTx/>
+              <a:buFontTx/>
+              <a:buNone/>
+              <a:tabLst/>
+              <a:defRPr/>
+            </a:pPr>
+            <a:fld id="{E179F1F0-BC89-44EB-93B0-3A08951E9484}" type="slidenum">
+              <a:rPr kumimoji="0" lang="nl-NL" sz="1200" b="0" i="0" u="none" strike="noStrike" kern="1200" cap="none" spc="0" normalizeH="0" baseline="0" noProof="0" smtClean="0">
+                <a:ln>
+                  <a:noFill/>
+                </a:ln>
+                <a:solidFill>
+                  <a:prstClr val="black">
+                    <a:tint val="75000"/>
+                  </a:prstClr>
+                </a:solidFill>
+                <a:effectLst/>
+                <a:uLnTx/>
+                <a:uFillTx/>
+                <a:latin typeface="Calibri" panose="020F0502020204030204"/>
+                <a:ea typeface="+mn-ea"/>
+                <a:cs typeface="+mn-cs"/>
+              </a:rPr>
+              <a:pPr marL="0" marR="0" lvl="0" indent="0" algn="r" defTabSz="914400" rtl="0" eaLnBrk="1" fontAlgn="auto" latinLnBrk="0" hangingPunct="1">
+                <a:lnSpc>
+                  <a:spcPct val="100000"/>
+                </a:lnSpc>
+                <a:spcBef>
+                  <a:spcPts val="0"/>
+                </a:spcBef>
+                <a:spcAft>
+                  <a:spcPts val="0"/>
+                </a:spcAft>
+                <a:buClrTx/>
+                <a:buSzTx/>
+                <a:buFontTx/>
+                <a:buNone/>
+                <a:tabLst/>
+                <a:defRPr/>
+              </a:pPr>
+              <a:t>30</a:t>
+            </a:fld>
+            <a:endParaRPr kumimoji="0" lang="nl-NL" sz="1200" b="0" i="0" u="none" strike="noStrike" kern="1200" cap="none" spc="0" normalizeH="0" baseline="0" noProof="0" dirty="0">
+              <a:ln>
+                <a:noFill/>
+              </a:ln>
+              <a:solidFill>
+                <a:prstClr val="black">
+                  <a:tint val="75000"/>
+                </a:prstClr>
+              </a:solidFill>
+              <a:effectLst/>
+              <a:uLnTx/>
+              <a:uFillTx/>
+              <a:latin typeface="Calibri" panose="020F0502020204030204"/>
+              <a:ea typeface="+mn-ea"/>
+              <a:cs typeface="+mn-cs"/>
+            </a:endParaRPr>
+          </a:p>
+        </p:txBody>
+      </p:sp>
+      <p:pic>
+        <p:nvPicPr>
+          <p:cNvPr id="35845" name="Picture 2"/>
+          <p:cNvPicPr>
+            <a:picLocks noChangeAspect="1" noChangeArrowheads="1"/>
+          </p:cNvPicPr>
+          <p:nvPr/>
+        </p:nvPicPr>
+        <p:blipFill>
+          <a:blip r:embed="rId2" cstate="print"/>
+          <a:srcRect/>
+          <a:stretch>
+            <a:fillRect/>
+          </a:stretch>
+        </p:blipFill>
+        <p:spPr bwMode="auto">
+          <a:xfrm>
+            <a:off x="3515092" y="2949246"/>
+            <a:ext cx="6861175" cy="1833563"/>
+          </a:xfrm>
+          <a:prstGeom prst="rect">
+            <a:avLst/>
+          </a:prstGeom>
+          <a:noFill/>
+          <a:ln w="9525">
+            <a:noFill/>
+            <a:miter lim="800000"/>
+            <a:headEnd/>
+            <a:tailEnd/>
+          </a:ln>
+        </p:spPr>
+      </p:pic>
+    </p:spTree>
+    <p:extLst>
+      <p:ext uri="{BB962C8B-B14F-4D97-AF65-F5344CB8AC3E}">
+        <p14:creationId xmlns:p14="http://schemas.microsoft.com/office/powerpoint/2010/main" val="4033307156"/>
+      </p:ext>
+    </p:extLst>
+  </p:cSld>
+  <p:clrMapOvr>
+    <a:masterClrMapping/>
+  </p:clrMapOvr>
+</p:sld>
+</file>
+
+<file path=ppt/slides/slide31.xml><?xml version="1.0" encoding="utf-8"?>
+<p:sld xmlns:a="http://schemas.openxmlformats.org/drawingml/2006/main" xmlns:r="http://schemas.openxmlformats.org/officeDocument/2006/relationships" xmlns:p="http://schemas.openxmlformats.org/presentationml/2006/main">
+  <p:cSld>
+    <p:spTree>
+      <p:nvGrpSpPr>
+        <p:cNvPr id="1" name=""/>
+        <p:cNvGrpSpPr/>
+        <p:nvPr/>
+      </p:nvGrpSpPr>
+      <p:grpSpPr>
+        <a:xfrm>
+          <a:off x="0" y="0"/>
+          <a:ext cx="0" cy="0"/>
+          <a:chOff x="0" y="0"/>
+          <a:chExt cx="0" cy="0"/>
+        </a:xfrm>
+      </p:grpSpPr>
+      <p:sp>
+        <p:nvSpPr>
           <p:cNvPr id="37890" name="Titel 1"/>
           <p:cNvSpPr>
             <a:spLocks noGrp="1"/>
@@ -14358,7 +15026,7 @@
                 <a:tabLst/>
                 <a:defRPr/>
               </a:pPr>
-              <a:t>30</a:t>
+              <a:t>31</a:t>
             </a:fld>
             <a:endParaRPr kumimoji="0" lang="nl-NL" sz="1200" b="0" i="0" u="none" strike="noStrike" kern="1200" cap="none" spc="0" normalizeH="0" baseline="0" noProof="0" dirty="0">
               <a:ln>
@@ -14424,7 +15092,7 @@
 </p:sld>
 </file>
 
-<file path=ppt/slides/slide31.xml><?xml version="1.0" encoding="utf-8"?>
+<file path=ppt/slides/slide32.xml><?xml version="1.0" encoding="utf-8"?>
 <p:sld xmlns:a="http://schemas.openxmlformats.org/drawingml/2006/main" xmlns:r="http://schemas.openxmlformats.org/officeDocument/2006/relationships" xmlns:p="http://schemas.openxmlformats.org/presentationml/2006/main">
   <p:cSld>
     <p:spTree>
@@ -14583,7 +15251,7 @@
                 <a:tabLst/>
                 <a:defRPr/>
               </a:pPr>
-              <a:t>31</a:t>
+              <a:t>32</a:t>
             </a:fld>
             <a:endParaRPr kumimoji="0" lang="nl-NL" sz="1200" b="0" i="0" u="none" strike="noStrike" kern="1200" cap="none" spc="0" normalizeH="0" baseline="0" noProof="0" dirty="0">
               <a:ln>
@@ -14617,7 +15285,7 @@
 </p:sld>
 </file>
 
-<file path=ppt/slides/slide32.xml><?xml version="1.0" encoding="utf-8"?>
+<file path=ppt/slides/slide33.xml><?xml version="1.0" encoding="utf-8"?>
 <p:sld xmlns:a="http://schemas.openxmlformats.org/drawingml/2006/main" xmlns:r="http://schemas.openxmlformats.org/officeDocument/2006/relationships" xmlns:p="http://schemas.openxmlformats.org/presentationml/2006/main">
   <p:cSld>
     <p:spTree>
@@ -14925,7 +15593,7 @@
                 <a:tabLst/>
                 <a:defRPr/>
               </a:pPr>
-              <a:t>32</a:t>
+              <a:t>33</a:t>
             </a:fld>
             <a:endParaRPr kumimoji="0" lang="nl-NL" sz="1200" b="0" i="0" u="none" strike="noStrike" kern="1200" cap="none" spc="0" normalizeH="0" baseline="0" noProof="0" dirty="0">
               <a:ln>
@@ -15205,7 +15873,7 @@
 </p:sld>
 </file>
 
-<file path=ppt/slides/slide33.xml><?xml version="1.0" encoding="utf-8"?>
+<file path=ppt/slides/slide34.xml><?xml version="1.0" encoding="utf-8"?>
 <p:sld xmlns:a="http://schemas.openxmlformats.org/drawingml/2006/main" xmlns:r="http://schemas.openxmlformats.org/officeDocument/2006/relationships" xmlns:p="http://schemas.openxmlformats.org/presentationml/2006/main">
   <p:cSld>
     <p:spTree>
@@ -15364,7 +16032,7 @@
                 <a:tabLst/>
                 <a:defRPr/>
               </a:pPr>
-              <a:t>33</a:t>
+              <a:t>34</a:t>
             </a:fld>
             <a:endParaRPr kumimoji="0" lang="nl-NL" sz="1200" b="0" i="0" u="none" strike="noStrike" kern="1200" cap="none" spc="0" normalizeH="0" baseline="0" noProof="0" dirty="0">
               <a:ln>
@@ -15458,7 +16126,7 @@
 </p:sld>
 </file>
 
-<file path=ppt/slides/slide34.xml><?xml version="1.0" encoding="utf-8"?>
+<file path=ppt/slides/slide35.xml><?xml version="1.0" encoding="utf-8"?>
 <p:sld xmlns:a="http://schemas.openxmlformats.org/drawingml/2006/main" xmlns:r="http://schemas.openxmlformats.org/officeDocument/2006/relationships" xmlns:p="http://schemas.openxmlformats.org/presentationml/2006/main">
   <p:cSld>
     <p:spTree>
@@ -15640,7 +16308,7 @@
                 <a:tabLst/>
                 <a:defRPr/>
               </a:pPr>
-              <a:t>34</a:t>
+              <a:t>35</a:t>
             </a:fld>
             <a:endParaRPr kumimoji="0" lang="nl-NL" sz="1200" b="0" i="0" u="none" strike="noStrike" kern="1200" cap="none" spc="0" normalizeH="0" baseline="0" noProof="0" dirty="0">
               <a:ln>
@@ -15674,7 +16342,7 @@
 </p:sld>
 </file>
 
-<file path=ppt/slides/slide35.xml><?xml version="1.0" encoding="utf-8"?>
+<file path=ppt/slides/slide36.xml><?xml version="1.0" encoding="utf-8"?>
 <p:sld xmlns:a="http://schemas.openxmlformats.org/drawingml/2006/main" xmlns:r="http://schemas.openxmlformats.org/officeDocument/2006/relationships" xmlns:p="http://schemas.openxmlformats.org/presentationml/2006/main">
   <p:cSld>
     <p:bg>
@@ -16006,7 +16674,7 @@
                 </a:spcAft>
                 <a:defRPr/>
               </a:pPr>
-              <a:t>35</a:t>
+              <a:t>36</a:t>
             </a:fld>
             <a:endParaRPr lang="en-US">
               <a:solidFill>
